--- a/temp/NMN商业计划书.pptx
+++ b/temp/NMN商业计划书.pptx
@@ -5,7 +5,7 @@
     <p:sldMasterId id="2147483648" r:id="rId1"/>
   </p:sldMasterIdLst>
   <p:notesMasterIdLst>
-    <p:notesMasterId r:id="rId24"/>
+    <p:notesMasterId r:id="rId26"/>
   </p:notesMasterIdLst>
   <p:sldIdLst>
     <p:sldId id="257" r:id="rId2"/>
@@ -30,6 +30,8 @@
     <p:sldId id="291" r:id="rId21"/>
     <p:sldId id="297" r:id="rId22"/>
     <p:sldId id="298" r:id="rId23"/>
+    <p:sldId id="307" r:id="rId24"/>
+    <p:sldId id="308" r:id="rId25"/>
   </p:sldIdLst>
   <p:sldSz cx="12192000" cy="6858000"/>
   <p:notesSz cx="6858000" cy="9144000"/>
@@ -211,8 +213,8 @@
         </c:ser>
         <c:gapWidth val="219"/>
         <c:overlap val="-27"/>
-        <c:axId val="138811264"/>
-        <c:axId val="138821632"/>
+        <c:axId val="167245312"/>
+        <c:axId val="167247232"/>
         <c:extLst>
           <c:ext xmlns:c15="http://schemas.microsoft.com/office/drawing/2012/chart" uri="{02D57815-91ED-43cb-92C2-25804820EDAC}">
             <c15:filteredBarSeries>
@@ -387,7 +389,7 @@
         </c:extLst>
       </c:barChart>
       <c:catAx>
-        <c:axId val="138811264"/>
+        <c:axId val="167245312"/>
         <c:scaling>
           <c:orientation val="minMax"/>
         </c:scaling>
@@ -442,14 +444,14 @@
             <a:endParaRPr lang="zh-CN"/>
           </a:p>
         </c:txPr>
-        <c:crossAx val="138821632"/>
+        <c:crossAx val="167247232"/>
         <c:crosses val="autoZero"/>
         <c:auto val="1"/>
         <c:lblAlgn val="ctr"/>
         <c:lblOffset val="100"/>
       </c:catAx>
       <c:valAx>
-        <c:axId val="138821632"/>
+        <c:axId val="167247232"/>
         <c:scaling>
           <c:orientation val="minMax"/>
         </c:scaling>
@@ -518,7 +520,7 @@
             <a:endParaRPr lang="zh-CN"/>
           </a:p>
         </c:txPr>
-        <c:crossAx val="138811264"/>
+        <c:crossAx val="167245312"/>
         <c:crosses val="autoZero"/>
         <c:crossBetween val="between"/>
       </c:valAx>
@@ -1099,6 +1101,2451 @@
 </cs:chartStyle>
 </file>
 
+<file path=ppt/diagrams/colors1.xml><?xml version="1.0" encoding="utf-8"?>
+<dgm:colorsDef xmlns:dgm="http://schemas.openxmlformats.org/drawingml/2006/diagram" xmlns:a="http://schemas.openxmlformats.org/drawingml/2006/main" uniqueId="urn:microsoft.com/office/officeart/2005/8/colors/accent1_2">
+  <dgm:title val=""/>
+  <dgm:desc val=""/>
+  <dgm:catLst>
+    <dgm:cat type="accent1" pri="11200"/>
+  </dgm:catLst>
+  <dgm:styleLbl name="node0">
+    <dgm:fillClrLst meth="repeat">
+      <a:schemeClr val="accent1"/>
+    </dgm:fillClrLst>
+    <dgm:linClrLst meth="repeat">
+      <a:schemeClr val="lt1"/>
+    </dgm:linClrLst>
+    <dgm:effectClrLst/>
+    <dgm:txLinClrLst/>
+    <dgm:txFillClrLst/>
+    <dgm:txEffectClrLst/>
+  </dgm:styleLbl>
+  <dgm:styleLbl name="alignNode1">
+    <dgm:fillClrLst meth="repeat">
+      <a:schemeClr val="accent1"/>
+    </dgm:fillClrLst>
+    <dgm:linClrLst meth="repeat">
+      <a:schemeClr val="accent1"/>
+    </dgm:linClrLst>
+    <dgm:effectClrLst/>
+    <dgm:txLinClrLst/>
+    <dgm:txFillClrLst/>
+    <dgm:txEffectClrLst/>
+  </dgm:styleLbl>
+  <dgm:styleLbl name="node1">
+    <dgm:fillClrLst meth="repeat">
+      <a:schemeClr val="accent1"/>
+    </dgm:fillClrLst>
+    <dgm:linClrLst meth="repeat">
+      <a:schemeClr val="lt1"/>
+    </dgm:linClrLst>
+    <dgm:effectClrLst/>
+    <dgm:txLinClrLst/>
+    <dgm:txFillClrLst/>
+    <dgm:txEffectClrLst/>
+  </dgm:styleLbl>
+  <dgm:styleLbl name="lnNode1">
+    <dgm:fillClrLst meth="repeat">
+      <a:schemeClr val="accent1"/>
+    </dgm:fillClrLst>
+    <dgm:linClrLst meth="repeat">
+      <a:schemeClr val="lt1"/>
+    </dgm:linClrLst>
+    <dgm:effectClrLst/>
+    <dgm:txLinClrLst/>
+    <dgm:txFillClrLst/>
+    <dgm:txEffectClrLst/>
+  </dgm:styleLbl>
+  <dgm:styleLbl name="vennNode1">
+    <dgm:fillClrLst meth="repeat">
+      <a:schemeClr val="accent1">
+        <a:alpha val="50000"/>
+      </a:schemeClr>
+    </dgm:fillClrLst>
+    <dgm:linClrLst meth="repeat">
+      <a:schemeClr val="lt1"/>
+    </dgm:linClrLst>
+    <dgm:effectClrLst/>
+    <dgm:txLinClrLst/>
+    <dgm:txFillClrLst/>
+    <dgm:txEffectClrLst/>
+  </dgm:styleLbl>
+  <dgm:styleLbl name="node2">
+    <dgm:fillClrLst meth="repeat">
+      <a:schemeClr val="accent1"/>
+    </dgm:fillClrLst>
+    <dgm:linClrLst meth="repeat">
+      <a:schemeClr val="lt1"/>
+    </dgm:linClrLst>
+    <dgm:effectClrLst/>
+    <dgm:txLinClrLst/>
+    <dgm:txFillClrLst/>
+    <dgm:txEffectClrLst/>
+  </dgm:styleLbl>
+  <dgm:styleLbl name="node3">
+    <dgm:fillClrLst meth="repeat">
+      <a:schemeClr val="accent1"/>
+    </dgm:fillClrLst>
+    <dgm:linClrLst meth="repeat">
+      <a:schemeClr val="lt1"/>
+    </dgm:linClrLst>
+    <dgm:effectClrLst/>
+    <dgm:txLinClrLst/>
+    <dgm:txFillClrLst/>
+    <dgm:txEffectClrLst/>
+  </dgm:styleLbl>
+  <dgm:styleLbl name="node4">
+    <dgm:fillClrLst meth="repeat">
+      <a:schemeClr val="accent1"/>
+    </dgm:fillClrLst>
+    <dgm:linClrLst meth="repeat">
+      <a:schemeClr val="lt1"/>
+    </dgm:linClrLst>
+    <dgm:effectClrLst/>
+    <dgm:txLinClrLst/>
+    <dgm:txFillClrLst/>
+    <dgm:txEffectClrLst/>
+  </dgm:styleLbl>
+  <dgm:styleLbl name="fgImgPlace1">
+    <dgm:fillClrLst meth="repeat">
+      <a:schemeClr val="accent1">
+        <a:tint val="50000"/>
+      </a:schemeClr>
+    </dgm:fillClrLst>
+    <dgm:linClrLst meth="repeat">
+      <a:schemeClr val="lt1"/>
+    </dgm:linClrLst>
+    <dgm:effectClrLst/>
+    <dgm:txLinClrLst/>
+    <dgm:txFillClrLst meth="repeat">
+      <a:schemeClr val="lt1"/>
+    </dgm:txFillClrLst>
+    <dgm:txEffectClrLst/>
+  </dgm:styleLbl>
+  <dgm:styleLbl name="alignImgPlace1">
+    <dgm:fillClrLst meth="repeat">
+      <a:schemeClr val="accent1">
+        <a:tint val="50000"/>
+      </a:schemeClr>
+    </dgm:fillClrLst>
+    <dgm:linClrLst meth="repeat">
+      <a:schemeClr val="lt1"/>
+    </dgm:linClrLst>
+    <dgm:effectClrLst/>
+    <dgm:txLinClrLst/>
+    <dgm:txFillClrLst meth="repeat">
+      <a:schemeClr val="lt1"/>
+    </dgm:txFillClrLst>
+    <dgm:txEffectClrLst/>
+  </dgm:styleLbl>
+  <dgm:styleLbl name="bgImgPlace1">
+    <dgm:fillClrLst meth="repeat">
+      <a:schemeClr val="accent1">
+        <a:tint val="50000"/>
+      </a:schemeClr>
+    </dgm:fillClrLst>
+    <dgm:linClrLst meth="repeat">
+      <a:schemeClr val="lt1"/>
+    </dgm:linClrLst>
+    <dgm:effectClrLst/>
+    <dgm:txLinClrLst/>
+    <dgm:txFillClrLst meth="repeat">
+      <a:schemeClr val="lt1"/>
+    </dgm:txFillClrLst>
+    <dgm:txEffectClrLst/>
+  </dgm:styleLbl>
+  <dgm:styleLbl name="sibTrans2D1">
+    <dgm:fillClrLst meth="repeat">
+      <a:schemeClr val="accent1">
+        <a:tint val="60000"/>
+      </a:schemeClr>
+    </dgm:fillClrLst>
+    <dgm:linClrLst meth="repeat">
+      <a:schemeClr val="accent1">
+        <a:tint val="60000"/>
+      </a:schemeClr>
+    </dgm:linClrLst>
+    <dgm:effectClrLst/>
+    <dgm:txLinClrLst/>
+    <dgm:txFillClrLst/>
+    <dgm:txEffectClrLst/>
+  </dgm:styleLbl>
+  <dgm:styleLbl name="fgSibTrans2D1">
+    <dgm:fillClrLst meth="repeat">
+      <a:schemeClr val="accent1">
+        <a:tint val="60000"/>
+      </a:schemeClr>
+    </dgm:fillClrLst>
+    <dgm:linClrLst meth="repeat">
+      <a:schemeClr val="accent1">
+        <a:tint val="60000"/>
+      </a:schemeClr>
+    </dgm:linClrLst>
+    <dgm:effectClrLst/>
+    <dgm:txLinClrLst/>
+    <dgm:txFillClrLst/>
+    <dgm:txEffectClrLst/>
+  </dgm:styleLbl>
+  <dgm:styleLbl name="bgSibTrans2D1">
+    <dgm:fillClrLst meth="repeat">
+      <a:schemeClr val="accent1">
+        <a:tint val="60000"/>
+      </a:schemeClr>
+    </dgm:fillClrLst>
+    <dgm:linClrLst meth="repeat">
+      <a:schemeClr val="accent1">
+        <a:tint val="60000"/>
+      </a:schemeClr>
+    </dgm:linClrLst>
+    <dgm:effectClrLst/>
+    <dgm:txLinClrLst/>
+    <dgm:txFillClrLst/>
+    <dgm:txEffectClrLst/>
+  </dgm:styleLbl>
+  <dgm:styleLbl name="sibTrans1D1">
+    <dgm:fillClrLst meth="repeat">
+      <a:schemeClr val="accent1"/>
+    </dgm:fillClrLst>
+    <dgm:linClrLst meth="repeat">
+      <a:schemeClr val="accent1"/>
+    </dgm:linClrLst>
+    <dgm:effectClrLst/>
+    <dgm:txLinClrLst/>
+    <dgm:txFillClrLst meth="repeat">
+      <a:schemeClr val="tx1"/>
+    </dgm:txFillClrLst>
+    <dgm:txEffectClrLst/>
+  </dgm:styleLbl>
+  <dgm:styleLbl name="callout">
+    <dgm:fillClrLst meth="repeat">
+      <a:schemeClr val="accent1"/>
+    </dgm:fillClrLst>
+    <dgm:linClrLst meth="repeat">
+      <a:schemeClr val="accent1">
+        <a:tint val="50000"/>
+      </a:schemeClr>
+    </dgm:linClrLst>
+    <dgm:effectClrLst/>
+    <dgm:txLinClrLst/>
+    <dgm:txFillClrLst meth="repeat">
+      <a:schemeClr val="tx1"/>
+    </dgm:txFillClrLst>
+    <dgm:txEffectClrLst/>
+  </dgm:styleLbl>
+  <dgm:styleLbl name="asst0">
+    <dgm:fillClrLst meth="repeat">
+      <a:schemeClr val="accent1"/>
+    </dgm:fillClrLst>
+    <dgm:linClrLst meth="repeat">
+      <a:schemeClr val="lt1"/>
+    </dgm:linClrLst>
+    <dgm:effectClrLst/>
+    <dgm:txLinClrLst/>
+    <dgm:txFillClrLst/>
+    <dgm:txEffectClrLst/>
+  </dgm:styleLbl>
+  <dgm:styleLbl name="asst1">
+    <dgm:fillClrLst meth="repeat">
+      <a:schemeClr val="accent1"/>
+    </dgm:fillClrLst>
+    <dgm:linClrLst meth="repeat">
+      <a:schemeClr val="lt1"/>
+    </dgm:linClrLst>
+    <dgm:effectClrLst/>
+    <dgm:txLinClrLst/>
+    <dgm:txFillClrLst/>
+    <dgm:txEffectClrLst/>
+  </dgm:styleLbl>
+  <dgm:styleLbl name="asst2">
+    <dgm:fillClrLst meth="repeat">
+      <a:schemeClr val="accent1"/>
+    </dgm:fillClrLst>
+    <dgm:linClrLst meth="repeat">
+      <a:schemeClr val="lt1"/>
+    </dgm:linClrLst>
+    <dgm:effectClrLst/>
+    <dgm:txLinClrLst/>
+    <dgm:txFillClrLst/>
+    <dgm:txEffectClrLst/>
+  </dgm:styleLbl>
+  <dgm:styleLbl name="asst3">
+    <dgm:fillClrLst meth="repeat">
+      <a:schemeClr val="accent1"/>
+    </dgm:fillClrLst>
+    <dgm:linClrLst meth="repeat">
+      <a:schemeClr val="lt1"/>
+    </dgm:linClrLst>
+    <dgm:effectClrLst/>
+    <dgm:txLinClrLst/>
+    <dgm:txFillClrLst/>
+    <dgm:txEffectClrLst/>
+  </dgm:styleLbl>
+  <dgm:styleLbl name="asst4">
+    <dgm:fillClrLst meth="repeat">
+      <a:schemeClr val="accent1"/>
+    </dgm:fillClrLst>
+    <dgm:linClrLst meth="repeat">
+      <a:schemeClr val="lt1"/>
+    </dgm:linClrLst>
+    <dgm:effectClrLst/>
+    <dgm:txLinClrLst/>
+    <dgm:txFillClrLst/>
+    <dgm:txEffectClrLst/>
+  </dgm:styleLbl>
+  <dgm:styleLbl name="parChTrans2D1">
+    <dgm:fillClrLst meth="repeat">
+      <a:schemeClr val="accent1">
+        <a:tint val="60000"/>
+      </a:schemeClr>
+    </dgm:fillClrLst>
+    <dgm:linClrLst meth="repeat">
+      <a:schemeClr val="accent1">
+        <a:tint val="60000"/>
+      </a:schemeClr>
+    </dgm:linClrLst>
+    <dgm:effectClrLst/>
+    <dgm:txLinClrLst/>
+    <dgm:txFillClrLst meth="repeat">
+      <a:schemeClr val="lt1"/>
+    </dgm:txFillClrLst>
+    <dgm:txEffectClrLst/>
+  </dgm:styleLbl>
+  <dgm:styleLbl name="parChTrans2D2">
+    <dgm:fillClrLst meth="repeat">
+      <a:schemeClr val="accent1"/>
+    </dgm:fillClrLst>
+    <dgm:linClrLst meth="repeat">
+      <a:schemeClr val="accent1"/>
+    </dgm:linClrLst>
+    <dgm:effectClrLst/>
+    <dgm:txLinClrLst/>
+    <dgm:txFillClrLst meth="repeat">
+      <a:schemeClr val="lt1"/>
+    </dgm:txFillClrLst>
+    <dgm:txEffectClrLst/>
+  </dgm:styleLbl>
+  <dgm:styleLbl name="parChTrans2D3">
+    <dgm:fillClrLst meth="repeat">
+      <a:schemeClr val="accent1"/>
+    </dgm:fillClrLst>
+    <dgm:linClrLst meth="repeat">
+      <a:schemeClr val="accent1"/>
+    </dgm:linClrLst>
+    <dgm:effectClrLst/>
+    <dgm:txLinClrLst/>
+    <dgm:txFillClrLst meth="repeat">
+      <a:schemeClr val="lt1"/>
+    </dgm:txFillClrLst>
+    <dgm:txEffectClrLst/>
+  </dgm:styleLbl>
+  <dgm:styleLbl name="parChTrans2D4">
+    <dgm:fillClrLst meth="repeat">
+      <a:schemeClr val="accent1"/>
+    </dgm:fillClrLst>
+    <dgm:linClrLst meth="repeat">
+      <a:schemeClr val="accent1"/>
+    </dgm:linClrLst>
+    <dgm:effectClrLst/>
+    <dgm:txLinClrLst/>
+    <dgm:txFillClrLst meth="repeat">
+      <a:schemeClr val="lt1"/>
+    </dgm:txFillClrLst>
+    <dgm:txEffectClrLst/>
+  </dgm:styleLbl>
+  <dgm:styleLbl name="parChTrans1D1">
+    <dgm:fillClrLst meth="repeat">
+      <a:schemeClr val="accent1"/>
+    </dgm:fillClrLst>
+    <dgm:linClrLst meth="repeat">
+      <a:schemeClr val="accent1">
+        <a:shade val="60000"/>
+      </a:schemeClr>
+    </dgm:linClrLst>
+    <dgm:effectClrLst/>
+    <dgm:txLinClrLst/>
+    <dgm:txFillClrLst meth="repeat">
+      <a:schemeClr val="tx1"/>
+    </dgm:txFillClrLst>
+    <dgm:txEffectClrLst/>
+  </dgm:styleLbl>
+  <dgm:styleLbl name="parChTrans1D2">
+    <dgm:fillClrLst meth="repeat">
+      <a:schemeClr val="accent1"/>
+    </dgm:fillClrLst>
+    <dgm:linClrLst meth="repeat">
+      <a:schemeClr val="accent1">
+        <a:shade val="60000"/>
+      </a:schemeClr>
+    </dgm:linClrLst>
+    <dgm:effectClrLst/>
+    <dgm:txLinClrLst/>
+    <dgm:txFillClrLst meth="repeat">
+      <a:schemeClr val="tx1"/>
+    </dgm:txFillClrLst>
+    <dgm:txEffectClrLst/>
+  </dgm:styleLbl>
+  <dgm:styleLbl name="parChTrans1D3">
+    <dgm:fillClrLst meth="repeat">
+      <a:schemeClr val="accent1"/>
+    </dgm:fillClrLst>
+    <dgm:linClrLst meth="repeat">
+      <a:schemeClr val="accent1">
+        <a:shade val="80000"/>
+      </a:schemeClr>
+    </dgm:linClrLst>
+    <dgm:effectClrLst/>
+    <dgm:txLinClrLst/>
+    <dgm:txFillClrLst meth="repeat">
+      <a:schemeClr val="tx1"/>
+    </dgm:txFillClrLst>
+    <dgm:txEffectClrLst/>
+  </dgm:styleLbl>
+  <dgm:styleLbl name="parChTrans1D4">
+    <dgm:fillClrLst meth="repeat">
+      <a:schemeClr val="accent1"/>
+    </dgm:fillClrLst>
+    <dgm:linClrLst meth="repeat">
+      <a:schemeClr val="accent1">
+        <a:shade val="80000"/>
+      </a:schemeClr>
+    </dgm:linClrLst>
+    <dgm:effectClrLst/>
+    <dgm:txLinClrLst/>
+    <dgm:txFillClrLst meth="repeat">
+      <a:schemeClr val="tx1"/>
+    </dgm:txFillClrLst>
+    <dgm:txEffectClrLst/>
+  </dgm:styleLbl>
+  <dgm:styleLbl name="fgAcc1">
+    <dgm:fillClrLst meth="repeat">
+      <a:schemeClr val="lt1">
+        <a:alpha val="90000"/>
+      </a:schemeClr>
+    </dgm:fillClrLst>
+    <dgm:linClrLst meth="repeat">
+      <a:schemeClr val="accent1"/>
+    </dgm:linClrLst>
+    <dgm:effectClrLst/>
+    <dgm:txLinClrLst/>
+    <dgm:txFillClrLst meth="repeat">
+      <a:schemeClr val="dk1"/>
+    </dgm:txFillClrLst>
+    <dgm:txEffectClrLst/>
+  </dgm:styleLbl>
+  <dgm:styleLbl name="conFgAcc1">
+    <dgm:fillClrLst meth="repeat">
+      <a:schemeClr val="lt1">
+        <a:alpha val="90000"/>
+      </a:schemeClr>
+    </dgm:fillClrLst>
+    <dgm:linClrLst meth="repeat">
+      <a:schemeClr val="accent1"/>
+    </dgm:linClrLst>
+    <dgm:effectClrLst/>
+    <dgm:txLinClrLst/>
+    <dgm:txFillClrLst meth="repeat">
+      <a:schemeClr val="dk1"/>
+    </dgm:txFillClrLst>
+    <dgm:txEffectClrLst/>
+  </dgm:styleLbl>
+  <dgm:styleLbl name="alignAcc1">
+    <dgm:fillClrLst meth="repeat">
+      <a:schemeClr val="lt1">
+        <a:alpha val="90000"/>
+      </a:schemeClr>
+    </dgm:fillClrLst>
+    <dgm:linClrLst meth="repeat">
+      <a:schemeClr val="accent1"/>
+    </dgm:linClrLst>
+    <dgm:effectClrLst/>
+    <dgm:txLinClrLst/>
+    <dgm:txFillClrLst meth="repeat">
+      <a:schemeClr val="dk1"/>
+    </dgm:txFillClrLst>
+    <dgm:txEffectClrLst/>
+  </dgm:styleLbl>
+  <dgm:styleLbl name="trAlignAcc1">
+    <dgm:fillClrLst meth="repeat">
+      <a:schemeClr val="lt1">
+        <a:alpha val="40000"/>
+      </a:schemeClr>
+    </dgm:fillClrLst>
+    <dgm:linClrLst meth="repeat">
+      <a:schemeClr val="accent1"/>
+    </dgm:linClrLst>
+    <dgm:effectClrLst/>
+    <dgm:txLinClrLst/>
+    <dgm:txFillClrLst meth="repeat">
+      <a:schemeClr val="dk1"/>
+    </dgm:txFillClrLst>
+    <dgm:txEffectClrLst/>
+  </dgm:styleLbl>
+  <dgm:styleLbl name="bgAcc1">
+    <dgm:fillClrLst meth="repeat">
+      <a:schemeClr val="lt1">
+        <a:alpha val="90000"/>
+      </a:schemeClr>
+    </dgm:fillClrLst>
+    <dgm:linClrLst meth="repeat">
+      <a:schemeClr val="accent1"/>
+    </dgm:linClrLst>
+    <dgm:effectClrLst/>
+    <dgm:txLinClrLst/>
+    <dgm:txFillClrLst meth="repeat">
+      <a:schemeClr val="dk1"/>
+    </dgm:txFillClrLst>
+    <dgm:txEffectClrLst/>
+  </dgm:styleLbl>
+  <dgm:styleLbl name="solidFgAcc1">
+    <dgm:fillClrLst meth="repeat">
+      <a:schemeClr val="lt1"/>
+    </dgm:fillClrLst>
+    <dgm:linClrLst meth="repeat">
+      <a:schemeClr val="accent1"/>
+    </dgm:linClrLst>
+    <dgm:effectClrLst/>
+    <dgm:txLinClrLst/>
+    <dgm:txFillClrLst meth="repeat">
+      <a:schemeClr val="dk1"/>
+    </dgm:txFillClrLst>
+    <dgm:txEffectClrLst/>
+  </dgm:styleLbl>
+  <dgm:styleLbl name="solidAlignAcc1">
+    <dgm:fillClrLst meth="repeat">
+      <a:schemeClr val="lt1"/>
+    </dgm:fillClrLst>
+    <dgm:linClrLst meth="repeat">
+      <a:schemeClr val="accent1"/>
+    </dgm:linClrLst>
+    <dgm:effectClrLst/>
+    <dgm:txLinClrLst/>
+    <dgm:txFillClrLst meth="repeat">
+      <a:schemeClr val="dk1"/>
+    </dgm:txFillClrLst>
+    <dgm:txEffectClrLst/>
+  </dgm:styleLbl>
+  <dgm:styleLbl name="solidBgAcc1">
+    <dgm:fillClrLst meth="repeat">
+      <a:schemeClr val="lt1"/>
+    </dgm:fillClrLst>
+    <dgm:linClrLst meth="repeat">
+      <a:schemeClr val="accent1"/>
+    </dgm:linClrLst>
+    <dgm:effectClrLst/>
+    <dgm:txLinClrLst/>
+    <dgm:txFillClrLst meth="repeat">
+      <a:schemeClr val="dk1"/>
+    </dgm:txFillClrLst>
+    <dgm:txEffectClrLst/>
+  </dgm:styleLbl>
+  <dgm:styleLbl name="fgAccFollowNode1">
+    <dgm:fillClrLst meth="repeat">
+      <a:schemeClr val="accent1">
+        <a:alpha val="90000"/>
+        <a:tint val="40000"/>
+      </a:schemeClr>
+    </dgm:fillClrLst>
+    <dgm:linClrLst meth="repeat">
+      <a:schemeClr val="accent1">
+        <a:alpha val="90000"/>
+        <a:tint val="40000"/>
+      </a:schemeClr>
+    </dgm:linClrLst>
+    <dgm:effectClrLst/>
+    <dgm:txLinClrLst/>
+    <dgm:txFillClrLst meth="repeat">
+      <a:schemeClr val="dk1"/>
+    </dgm:txFillClrLst>
+    <dgm:txEffectClrLst/>
+  </dgm:styleLbl>
+  <dgm:styleLbl name="alignAccFollowNode1">
+    <dgm:fillClrLst meth="repeat">
+      <a:schemeClr val="accent1">
+        <a:alpha val="90000"/>
+        <a:tint val="40000"/>
+      </a:schemeClr>
+    </dgm:fillClrLst>
+    <dgm:linClrLst meth="repeat">
+      <a:schemeClr val="accent1">
+        <a:alpha val="90000"/>
+        <a:tint val="40000"/>
+      </a:schemeClr>
+    </dgm:linClrLst>
+    <dgm:effectClrLst/>
+    <dgm:txLinClrLst/>
+    <dgm:txFillClrLst meth="repeat">
+      <a:schemeClr val="dk1"/>
+    </dgm:txFillClrLst>
+    <dgm:txEffectClrLst/>
+  </dgm:styleLbl>
+  <dgm:styleLbl name="bgAccFollowNode1">
+    <dgm:fillClrLst meth="repeat">
+      <a:schemeClr val="accent1">
+        <a:alpha val="90000"/>
+        <a:tint val="40000"/>
+      </a:schemeClr>
+    </dgm:fillClrLst>
+    <dgm:linClrLst meth="repeat">
+      <a:schemeClr val="accent1">
+        <a:alpha val="90000"/>
+        <a:tint val="40000"/>
+      </a:schemeClr>
+    </dgm:linClrLst>
+    <dgm:effectClrLst/>
+    <dgm:txLinClrLst/>
+    <dgm:txFillClrLst meth="repeat">
+      <a:schemeClr val="dk1"/>
+    </dgm:txFillClrLst>
+    <dgm:txEffectClrLst/>
+  </dgm:styleLbl>
+  <dgm:styleLbl name="fgAcc0">
+    <dgm:fillClrLst meth="repeat">
+      <a:schemeClr val="lt1">
+        <a:alpha val="90000"/>
+      </a:schemeClr>
+    </dgm:fillClrLst>
+    <dgm:linClrLst meth="repeat">
+      <a:schemeClr val="accent1"/>
+    </dgm:linClrLst>
+    <dgm:effectClrLst/>
+    <dgm:txLinClrLst/>
+    <dgm:txFillClrLst meth="repeat">
+      <a:schemeClr val="dk1"/>
+    </dgm:txFillClrLst>
+    <dgm:txEffectClrLst/>
+  </dgm:styleLbl>
+  <dgm:styleLbl name="fgAcc2">
+    <dgm:fillClrLst meth="repeat">
+      <a:schemeClr val="lt1">
+        <a:alpha val="90000"/>
+      </a:schemeClr>
+    </dgm:fillClrLst>
+    <dgm:linClrLst meth="repeat">
+      <a:schemeClr val="accent1"/>
+    </dgm:linClrLst>
+    <dgm:effectClrLst/>
+    <dgm:txLinClrLst/>
+    <dgm:txFillClrLst meth="repeat">
+      <a:schemeClr val="dk1"/>
+    </dgm:txFillClrLst>
+    <dgm:txEffectClrLst/>
+  </dgm:styleLbl>
+  <dgm:styleLbl name="fgAcc3">
+    <dgm:fillClrLst meth="repeat">
+      <a:schemeClr val="lt1">
+        <a:alpha val="90000"/>
+      </a:schemeClr>
+    </dgm:fillClrLst>
+    <dgm:linClrLst meth="repeat">
+      <a:schemeClr val="accent1"/>
+    </dgm:linClrLst>
+    <dgm:effectClrLst/>
+    <dgm:txLinClrLst/>
+    <dgm:txFillClrLst meth="repeat">
+      <a:schemeClr val="dk1"/>
+    </dgm:txFillClrLst>
+    <dgm:txEffectClrLst/>
+  </dgm:styleLbl>
+  <dgm:styleLbl name="fgAcc4">
+    <dgm:fillClrLst meth="repeat">
+      <a:schemeClr val="lt1">
+        <a:alpha val="90000"/>
+      </a:schemeClr>
+    </dgm:fillClrLst>
+    <dgm:linClrLst meth="repeat">
+      <a:schemeClr val="accent1"/>
+    </dgm:linClrLst>
+    <dgm:effectClrLst/>
+    <dgm:txLinClrLst/>
+    <dgm:txFillClrLst meth="repeat">
+      <a:schemeClr val="dk1"/>
+    </dgm:txFillClrLst>
+    <dgm:txEffectClrLst/>
+  </dgm:styleLbl>
+  <dgm:styleLbl name="bgShp">
+    <dgm:fillClrLst meth="repeat">
+      <a:schemeClr val="accent1">
+        <a:tint val="40000"/>
+      </a:schemeClr>
+    </dgm:fillClrLst>
+    <dgm:linClrLst meth="repeat">
+      <a:schemeClr val="accent1"/>
+    </dgm:linClrLst>
+    <dgm:effectClrLst/>
+    <dgm:txLinClrLst/>
+    <dgm:txFillClrLst meth="repeat">
+      <a:schemeClr val="dk1"/>
+    </dgm:txFillClrLst>
+    <dgm:txEffectClrLst/>
+  </dgm:styleLbl>
+  <dgm:styleLbl name="dkBgShp">
+    <dgm:fillClrLst meth="repeat">
+      <a:schemeClr val="accent1">
+        <a:shade val="80000"/>
+      </a:schemeClr>
+    </dgm:fillClrLst>
+    <dgm:linClrLst meth="repeat">
+      <a:schemeClr val="accent1"/>
+    </dgm:linClrLst>
+    <dgm:effectClrLst/>
+    <dgm:txLinClrLst/>
+    <dgm:txFillClrLst meth="repeat">
+      <a:schemeClr val="lt1"/>
+    </dgm:txFillClrLst>
+    <dgm:txEffectClrLst/>
+  </dgm:styleLbl>
+  <dgm:styleLbl name="trBgShp">
+    <dgm:fillClrLst meth="repeat">
+      <a:schemeClr val="accent1">
+        <a:tint val="50000"/>
+        <a:alpha val="40000"/>
+      </a:schemeClr>
+    </dgm:fillClrLst>
+    <dgm:linClrLst meth="repeat">
+      <a:schemeClr val="accent1"/>
+    </dgm:linClrLst>
+    <dgm:effectClrLst/>
+    <dgm:txLinClrLst/>
+    <dgm:txFillClrLst meth="repeat">
+      <a:schemeClr val="lt1"/>
+    </dgm:txFillClrLst>
+    <dgm:txEffectClrLst/>
+  </dgm:styleLbl>
+  <dgm:styleLbl name="fgShp">
+    <dgm:fillClrLst meth="repeat">
+      <a:schemeClr val="accent1">
+        <a:tint val="60000"/>
+      </a:schemeClr>
+    </dgm:fillClrLst>
+    <dgm:linClrLst meth="repeat">
+      <a:schemeClr val="lt1"/>
+    </dgm:linClrLst>
+    <dgm:effectClrLst/>
+    <dgm:txLinClrLst/>
+    <dgm:txFillClrLst meth="repeat">
+      <a:schemeClr val="dk1"/>
+    </dgm:txFillClrLst>
+    <dgm:txEffectClrLst/>
+  </dgm:styleLbl>
+  <dgm:styleLbl name="revTx">
+    <dgm:fillClrLst meth="repeat">
+      <a:schemeClr val="lt1">
+        <a:alpha val="0"/>
+      </a:schemeClr>
+    </dgm:fillClrLst>
+    <dgm:linClrLst meth="repeat">
+      <a:schemeClr val="dk1">
+        <a:alpha val="0"/>
+      </a:schemeClr>
+    </dgm:linClrLst>
+    <dgm:effectClrLst/>
+    <dgm:txLinClrLst/>
+    <dgm:txFillClrLst meth="repeat">
+      <a:schemeClr val="tx1"/>
+    </dgm:txFillClrLst>
+    <dgm:txEffectClrLst/>
+  </dgm:styleLbl>
+</dgm:colorsDef>
+</file>
+
+<file path=ppt/diagrams/data1.xml><?xml version="1.0" encoding="utf-8"?>
+<dgm:dataModel xmlns:dgm="http://schemas.openxmlformats.org/drawingml/2006/diagram" xmlns:a="http://schemas.openxmlformats.org/drawingml/2006/main">
+  <dgm:ptLst>
+    <dgm:pt modelId="{21C56752-BDEB-4176-8D99-0BC32949DF93}" type="doc">
+      <dgm:prSet loTypeId="urn:microsoft.com/office/officeart/2005/8/layout/vList4" loCatId="list" qsTypeId="urn:microsoft.com/office/officeart/2005/8/quickstyle/simple1" qsCatId="simple" csTypeId="urn:microsoft.com/office/officeart/2005/8/colors/accent1_2" csCatId="accent1" phldr="1"/>
+      <dgm:spPr/>
+      <dgm:t>
+        <a:bodyPr/>
+        <a:lstStyle/>
+        <a:p>
+          <a:endParaRPr lang="zh-CN" altLang="en-US"/>
+        </a:p>
+      </dgm:t>
+    </dgm:pt>
+    <dgm:pt modelId="{CCA6A1E3-735B-4C9A-BA95-723D803A3C28}">
+      <dgm:prSet phldrT="[文本]"/>
+      <dgm:spPr/>
+      <dgm:t>
+        <a:bodyPr/>
+        <a:lstStyle/>
+        <a:p>
+          <a:r>
+            <a:rPr lang="en-US" altLang="zh-CN" dirty="0" smtClean="0"/>
+            <a:t>Jeff Klein</a:t>
+          </a:r>
+          <a:endParaRPr lang="zh-CN" altLang="en-US" dirty="0"/>
+        </a:p>
+      </dgm:t>
+    </dgm:pt>
+    <dgm:pt modelId="{A1F18895-E0A3-4AED-A747-EF1FF522B2DE}" type="parTrans" cxnId="{1A4274A9-DEBC-427A-BADD-43F2BB5D9C8B}">
+      <dgm:prSet/>
+      <dgm:spPr/>
+      <dgm:t>
+        <a:bodyPr/>
+        <a:lstStyle/>
+        <a:p>
+          <a:endParaRPr lang="zh-CN" altLang="en-US"/>
+        </a:p>
+      </dgm:t>
+    </dgm:pt>
+    <dgm:pt modelId="{1CDA30AA-7794-4BF6-875A-00158BEF0C87}" type="sibTrans" cxnId="{1A4274A9-DEBC-427A-BADD-43F2BB5D9C8B}">
+      <dgm:prSet/>
+      <dgm:spPr/>
+      <dgm:t>
+        <a:bodyPr/>
+        <a:lstStyle/>
+        <a:p>
+          <a:endParaRPr lang="zh-CN" altLang="en-US"/>
+        </a:p>
+      </dgm:t>
+    </dgm:pt>
+    <dgm:pt modelId="{4BEF874D-284D-41A0-83E0-69B9BF37E835}">
+      <dgm:prSet phldrT="[文本]"/>
+      <dgm:spPr/>
+      <dgm:t>
+        <a:bodyPr/>
+        <a:lstStyle/>
+        <a:p>
+          <a:r>
+            <a:rPr lang="en-US" altLang="zh-CN" dirty="0" smtClean="0"/>
+            <a:t>Jeff Klein</a:t>
+          </a:r>
+          <a:r>
+            <a:rPr lang="zh-CN" altLang="en-US" dirty="0" smtClean="0"/>
+            <a:t>是</a:t>
+          </a:r>
+          <a:r>
+            <a:rPr lang="en-US" altLang="zh-CN" dirty="0" smtClean="0"/>
+            <a:t>Sinclair</a:t>
+          </a:r>
+          <a:r>
+            <a:rPr lang="zh-CN" altLang="en-US" dirty="0" smtClean="0"/>
+            <a:t>研究中心的药性毒性研究主管，在药品开发中具有相当的资质。</a:t>
+          </a:r>
+          <a:endParaRPr lang="zh-CN" altLang="en-US" dirty="0"/>
+        </a:p>
+      </dgm:t>
+    </dgm:pt>
+    <dgm:pt modelId="{1F341B11-7AC0-439C-908F-383E95A47733}" type="parTrans" cxnId="{69EF39D7-3435-45EC-9B43-BC140EDF4F8C}">
+      <dgm:prSet/>
+      <dgm:spPr/>
+      <dgm:t>
+        <a:bodyPr/>
+        <a:lstStyle/>
+        <a:p>
+          <a:endParaRPr lang="zh-CN" altLang="en-US"/>
+        </a:p>
+      </dgm:t>
+    </dgm:pt>
+    <dgm:pt modelId="{72560018-6C87-44F4-9DAD-91E08036239A}" type="sibTrans" cxnId="{69EF39D7-3435-45EC-9B43-BC140EDF4F8C}">
+      <dgm:prSet/>
+      <dgm:spPr/>
+      <dgm:t>
+        <a:bodyPr/>
+        <a:lstStyle/>
+        <a:p>
+          <a:endParaRPr lang="zh-CN" altLang="en-US"/>
+        </a:p>
+      </dgm:t>
+    </dgm:pt>
+    <dgm:pt modelId="{6B5E6192-DF53-4B6F-AD94-136C537B61B6}">
+      <dgm:prSet phldrT="[文本]"/>
+      <dgm:spPr/>
+      <dgm:t>
+        <a:bodyPr/>
+        <a:lstStyle/>
+        <a:p>
+          <a:r>
+            <a:rPr lang="zh-CN" altLang="en-US" dirty="0" smtClean="0"/>
+            <a:t>在</a:t>
+          </a:r>
+          <a:r>
+            <a:rPr lang="en-US" altLang="zh-CN" dirty="0" smtClean="0"/>
+            <a:t>Rutgers</a:t>
+          </a:r>
+          <a:r>
+            <a:rPr lang="zh-CN" altLang="en-US" dirty="0" smtClean="0"/>
+            <a:t>大学完成了他的博士学位，在</a:t>
+          </a:r>
+          <a:r>
+            <a:rPr lang="en-US" altLang="zh-CN" dirty="0" smtClean="0"/>
+            <a:t>Maine</a:t>
+          </a:r>
+          <a:r>
+            <a:rPr lang="zh-CN" altLang="en-US" dirty="0" smtClean="0"/>
+            <a:t>的</a:t>
+          </a:r>
+          <a:r>
+            <a:rPr lang="en-US" altLang="zh-CN" dirty="0" smtClean="0"/>
+            <a:t>Jackson</a:t>
+          </a:r>
+          <a:r>
+            <a:rPr lang="zh-CN" altLang="en-US" dirty="0" smtClean="0"/>
+            <a:t>实验室，他开始研究分子生物和基因，在这里他主管药品（包括</a:t>
+          </a:r>
+          <a:r>
+            <a:rPr lang="en-US" altLang="zh-CN" dirty="0" smtClean="0"/>
+            <a:t>NMN</a:t>
+          </a:r>
+          <a:r>
+            <a:rPr lang="zh-CN" altLang="en-US" dirty="0" smtClean="0"/>
+            <a:t>）的药性毒性的研究。</a:t>
+          </a:r>
+          <a:endParaRPr lang="zh-CN" altLang="en-US" dirty="0"/>
+        </a:p>
+      </dgm:t>
+    </dgm:pt>
+    <dgm:pt modelId="{AC7163D8-25F3-472B-BAF7-18472B79229D}" type="parTrans" cxnId="{B74809AD-475C-40E5-8C6A-5502945338D7}">
+      <dgm:prSet/>
+      <dgm:spPr/>
+      <dgm:t>
+        <a:bodyPr/>
+        <a:lstStyle/>
+        <a:p>
+          <a:endParaRPr lang="zh-CN" altLang="en-US"/>
+        </a:p>
+      </dgm:t>
+    </dgm:pt>
+    <dgm:pt modelId="{85E786A4-5CA7-4E81-A5F1-6A572D37CE6F}" type="sibTrans" cxnId="{B74809AD-475C-40E5-8C6A-5502945338D7}">
+      <dgm:prSet/>
+      <dgm:spPr/>
+      <dgm:t>
+        <a:bodyPr/>
+        <a:lstStyle/>
+        <a:p>
+          <a:endParaRPr lang="zh-CN" altLang="en-US"/>
+        </a:p>
+      </dgm:t>
+    </dgm:pt>
+    <dgm:pt modelId="{433C43B2-B14A-4E65-895F-8306BCA27AD7}">
+      <dgm:prSet phldrT="[文本]"/>
+      <dgm:spPr/>
+      <dgm:t>
+        <a:bodyPr/>
+        <a:lstStyle/>
+        <a:p>
+          <a:r>
+            <a:rPr lang="en-US" altLang="zh-CN" dirty="0" smtClean="0"/>
+            <a:t>Alex Wakefield</a:t>
+          </a:r>
+          <a:endParaRPr lang="zh-CN" altLang="en-US" dirty="0"/>
+        </a:p>
+      </dgm:t>
+    </dgm:pt>
+    <dgm:pt modelId="{8C3C1949-80A1-46B5-A955-389E058B5A4F}" type="parTrans" cxnId="{0DB79CE0-6EB1-4CF8-8794-E8E65DB97110}">
+      <dgm:prSet/>
+      <dgm:spPr/>
+      <dgm:t>
+        <a:bodyPr/>
+        <a:lstStyle/>
+        <a:p>
+          <a:endParaRPr lang="zh-CN" altLang="en-US"/>
+        </a:p>
+      </dgm:t>
+    </dgm:pt>
+    <dgm:pt modelId="{9C6E9068-357F-43FD-A832-58D5B789BB2D}" type="sibTrans" cxnId="{0DB79CE0-6EB1-4CF8-8794-E8E65DB97110}">
+      <dgm:prSet/>
+      <dgm:spPr/>
+      <dgm:t>
+        <a:bodyPr/>
+        <a:lstStyle/>
+        <a:p>
+          <a:endParaRPr lang="zh-CN" altLang="en-US"/>
+        </a:p>
+      </dgm:t>
+    </dgm:pt>
+    <dgm:pt modelId="{EE2070AA-2A5E-4592-A282-5DC04D76169C}">
+      <dgm:prSet phldrT="[文本]"/>
+      <dgm:spPr/>
+      <dgm:t>
+        <a:bodyPr/>
+        <a:lstStyle/>
+        <a:p>
+          <a:r>
+            <a:rPr lang="en-US" altLang="zh-CN" dirty="0" smtClean="0"/>
+            <a:t>Alex Wakefield</a:t>
+          </a:r>
+          <a:r>
+            <a:rPr lang="zh-CN" altLang="en-US" dirty="0" smtClean="0"/>
+            <a:t>博士是药品服务部的副主席，负责项目的信息数据管理、临床测试等。</a:t>
+          </a:r>
+          <a:endParaRPr lang="zh-CN" altLang="en-US" dirty="0"/>
+        </a:p>
+      </dgm:t>
+    </dgm:pt>
+    <dgm:pt modelId="{27C3CC34-9529-4FBB-AD1D-17F14D185988}" type="parTrans" cxnId="{C327B584-C156-4B2F-8CDC-5257981191A6}">
+      <dgm:prSet/>
+      <dgm:spPr/>
+      <dgm:t>
+        <a:bodyPr/>
+        <a:lstStyle/>
+        <a:p>
+          <a:endParaRPr lang="zh-CN" altLang="en-US"/>
+        </a:p>
+      </dgm:t>
+    </dgm:pt>
+    <dgm:pt modelId="{27BAF2AD-6BCD-4CA4-BD00-DEC75A22DC83}" type="sibTrans" cxnId="{C327B584-C156-4B2F-8CDC-5257981191A6}">
+      <dgm:prSet/>
+      <dgm:spPr/>
+      <dgm:t>
+        <a:bodyPr/>
+        <a:lstStyle/>
+        <a:p>
+          <a:endParaRPr lang="zh-CN" altLang="en-US"/>
+        </a:p>
+      </dgm:t>
+    </dgm:pt>
+    <dgm:pt modelId="{6117D2BD-5079-47AB-9F9A-8A14E003F07D}">
+      <dgm:prSet phldrT="[文本]"/>
+      <dgm:spPr/>
+      <dgm:t>
+        <a:bodyPr/>
+        <a:lstStyle/>
+        <a:p>
+          <a:r>
+            <a:rPr lang="en-US" altLang="zh-CN" dirty="0" smtClean="0"/>
+            <a:t>Alex Wakefield</a:t>
+          </a:r>
+          <a:r>
+            <a:rPr lang="zh-CN" altLang="en-US" dirty="0" smtClean="0"/>
+            <a:t>有超过</a:t>
+          </a:r>
+          <a:r>
+            <a:rPr lang="en-US" altLang="zh-CN" dirty="0" smtClean="0"/>
+            <a:t>30</a:t>
+          </a:r>
+          <a:r>
+            <a:rPr lang="zh-CN" altLang="en-US" dirty="0" smtClean="0"/>
+            <a:t>年在不同领域的药品开发流程经验，包括</a:t>
+          </a:r>
+          <a:r>
+            <a:rPr lang="en-US" altLang="zh-CN" dirty="0" smtClean="0"/>
+            <a:t>5</a:t>
+          </a:r>
+          <a:r>
+            <a:rPr lang="zh-CN" altLang="en-US" dirty="0" smtClean="0"/>
+            <a:t>年在</a:t>
+          </a:r>
+          <a:r>
+            <a:rPr lang="en-US" altLang="zh-CN" dirty="0" smtClean="0"/>
+            <a:t>Eli Lilly</a:t>
+          </a:r>
+          <a:r>
+            <a:rPr lang="zh-CN" altLang="en-US" dirty="0" smtClean="0"/>
+            <a:t>和</a:t>
+          </a:r>
+          <a:r>
+            <a:rPr lang="en-US" altLang="zh-CN" dirty="0" smtClean="0"/>
+            <a:t>Covance</a:t>
+          </a:r>
+          <a:r>
+            <a:rPr lang="zh-CN" altLang="en-US" dirty="0" smtClean="0"/>
+            <a:t>的经历。在这里他主管包括</a:t>
+          </a:r>
+          <a:r>
+            <a:rPr lang="en-US" altLang="zh-CN" dirty="0" smtClean="0"/>
+            <a:t>NMN</a:t>
+          </a:r>
+          <a:r>
+            <a:rPr lang="zh-CN" altLang="en-US" dirty="0" smtClean="0"/>
+            <a:t>产品的药品研发流程。</a:t>
+          </a:r>
+          <a:endParaRPr lang="zh-CN" altLang="en-US" dirty="0"/>
+        </a:p>
+      </dgm:t>
+    </dgm:pt>
+    <dgm:pt modelId="{0C731C7B-6528-4910-8C33-6078971DAF1F}" type="parTrans" cxnId="{A4A250F6-079F-46DF-86E9-A7F07451F090}">
+      <dgm:prSet/>
+      <dgm:spPr/>
+      <dgm:t>
+        <a:bodyPr/>
+        <a:lstStyle/>
+        <a:p>
+          <a:endParaRPr lang="zh-CN" altLang="en-US"/>
+        </a:p>
+      </dgm:t>
+    </dgm:pt>
+    <dgm:pt modelId="{F39E43CB-5FF1-45CD-85BB-91B768155191}" type="sibTrans" cxnId="{A4A250F6-079F-46DF-86E9-A7F07451F090}">
+      <dgm:prSet/>
+      <dgm:spPr/>
+      <dgm:t>
+        <a:bodyPr/>
+        <a:lstStyle/>
+        <a:p>
+          <a:endParaRPr lang="zh-CN" altLang="en-US"/>
+        </a:p>
+      </dgm:t>
+    </dgm:pt>
+    <dgm:pt modelId="{8FF57012-0281-45B4-94E7-A8163410F25B}" type="pres">
+      <dgm:prSet presAssocID="{21C56752-BDEB-4176-8D99-0BC32949DF93}" presName="linear" presStyleCnt="0">
+        <dgm:presLayoutVars>
+          <dgm:dir/>
+          <dgm:resizeHandles val="exact"/>
+        </dgm:presLayoutVars>
+      </dgm:prSet>
+      <dgm:spPr/>
+    </dgm:pt>
+    <dgm:pt modelId="{4F1E41B2-0329-4818-AD93-BD7855CAD36F}" type="pres">
+      <dgm:prSet presAssocID="{CCA6A1E3-735B-4C9A-BA95-723D803A3C28}" presName="comp" presStyleCnt="0"/>
+      <dgm:spPr/>
+    </dgm:pt>
+    <dgm:pt modelId="{53D9EF73-03DC-4715-96CD-F547096E13EE}" type="pres">
+      <dgm:prSet presAssocID="{CCA6A1E3-735B-4C9A-BA95-723D803A3C28}" presName="box" presStyleLbl="node1" presStyleIdx="0" presStyleCnt="2" custLinFactNeighborX="687" custLinFactNeighborY="3348"/>
+      <dgm:spPr/>
+      <dgm:t>
+        <a:bodyPr/>
+        <a:lstStyle/>
+        <a:p>
+          <a:endParaRPr lang="zh-CN" altLang="en-US"/>
+        </a:p>
+      </dgm:t>
+    </dgm:pt>
+    <dgm:pt modelId="{4AF19F15-EC1B-4199-8A0F-9A4F79176CDC}" type="pres">
+      <dgm:prSet presAssocID="{CCA6A1E3-735B-4C9A-BA95-723D803A3C28}" presName="img" presStyleLbl="fgImgPlace1" presStyleIdx="0" presStyleCnt="2" custScaleX="90803" custLinFactNeighborX="-5149" custLinFactNeighborY="5977"/>
+      <dgm:spPr>
+        <a:blipFill rotWithShape="0">
+          <a:blip xmlns:r="http://schemas.openxmlformats.org/officeDocument/2006/relationships" r:embed="rId1"/>
+          <a:stretch>
+            <a:fillRect/>
+          </a:stretch>
+        </a:blipFill>
+      </dgm:spPr>
+    </dgm:pt>
+    <dgm:pt modelId="{22CFA9D1-D42A-4DD7-98F4-30955C66846E}" type="pres">
+      <dgm:prSet presAssocID="{CCA6A1E3-735B-4C9A-BA95-723D803A3C28}" presName="text" presStyleLbl="node1" presStyleIdx="0" presStyleCnt="2">
+        <dgm:presLayoutVars>
+          <dgm:bulletEnabled val="1"/>
+        </dgm:presLayoutVars>
+      </dgm:prSet>
+      <dgm:spPr/>
+      <dgm:t>
+        <a:bodyPr/>
+        <a:lstStyle/>
+        <a:p>
+          <a:endParaRPr lang="zh-CN" altLang="en-US"/>
+        </a:p>
+      </dgm:t>
+    </dgm:pt>
+    <dgm:pt modelId="{BD820A1D-ED16-48AD-8B48-67350F00182D}" type="pres">
+      <dgm:prSet presAssocID="{1CDA30AA-7794-4BF6-875A-00158BEF0C87}" presName="spacer" presStyleCnt="0"/>
+      <dgm:spPr/>
+    </dgm:pt>
+    <dgm:pt modelId="{9A19599E-F458-45BD-BFF7-487590F2F1A5}" type="pres">
+      <dgm:prSet presAssocID="{433C43B2-B14A-4E65-895F-8306BCA27AD7}" presName="comp" presStyleCnt="0"/>
+      <dgm:spPr/>
+    </dgm:pt>
+    <dgm:pt modelId="{255F86F3-FBD2-4D45-AB63-2AE3AF05CB6A}" type="pres">
+      <dgm:prSet presAssocID="{433C43B2-B14A-4E65-895F-8306BCA27AD7}" presName="box" presStyleLbl="node1" presStyleIdx="1" presStyleCnt="2" custLinFactNeighborX="801" custLinFactNeighborY="-4253"/>
+      <dgm:spPr/>
+      <dgm:t>
+        <a:bodyPr/>
+        <a:lstStyle/>
+        <a:p>
+          <a:endParaRPr lang="zh-CN" altLang="en-US"/>
+        </a:p>
+      </dgm:t>
+    </dgm:pt>
+    <dgm:pt modelId="{031AC7BA-00CB-448D-8EAF-0090BF3AEA0B}" type="pres">
+      <dgm:prSet presAssocID="{433C43B2-B14A-4E65-895F-8306BCA27AD7}" presName="img" presStyleLbl="fgImgPlace1" presStyleIdx="1" presStyleCnt="2" custScaleX="93063" custLinFactNeighborX="-5723" custLinFactNeighborY="-4184"/>
+      <dgm:spPr>
+        <a:blipFill rotWithShape="0">
+          <a:blip xmlns:r="http://schemas.openxmlformats.org/officeDocument/2006/relationships" r:embed="rId2"/>
+          <a:stretch>
+            <a:fillRect/>
+          </a:stretch>
+        </a:blipFill>
+      </dgm:spPr>
+    </dgm:pt>
+    <dgm:pt modelId="{70757279-71FF-4040-B5DC-9DA4EEF2B5C0}" type="pres">
+      <dgm:prSet presAssocID="{433C43B2-B14A-4E65-895F-8306BCA27AD7}" presName="text" presStyleLbl="node1" presStyleIdx="1" presStyleCnt="2">
+        <dgm:presLayoutVars>
+          <dgm:bulletEnabled val="1"/>
+        </dgm:presLayoutVars>
+      </dgm:prSet>
+      <dgm:spPr/>
+      <dgm:t>
+        <a:bodyPr/>
+        <a:lstStyle/>
+        <a:p>
+          <a:endParaRPr lang="zh-CN" altLang="en-US"/>
+        </a:p>
+      </dgm:t>
+    </dgm:pt>
+  </dgm:ptLst>
+  <dgm:cxnLst>
+    <dgm:cxn modelId="{F6C6749B-75E8-400D-B7BD-0143F0E37C81}" type="presOf" srcId="{EE2070AA-2A5E-4592-A282-5DC04D76169C}" destId="{70757279-71FF-4040-B5DC-9DA4EEF2B5C0}" srcOrd="1" destOrd="1" presId="urn:microsoft.com/office/officeart/2005/8/layout/vList4"/>
+    <dgm:cxn modelId="{69EF39D7-3435-45EC-9B43-BC140EDF4F8C}" srcId="{CCA6A1E3-735B-4C9A-BA95-723D803A3C28}" destId="{4BEF874D-284D-41A0-83E0-69B9BF37E835}" srcOrd="0" destOrd="0" parTransId="{1F341B11-7AC0-439C-908F-383E95A47733}" sibTransId="{72560018-6C87-44F4-9DAD-91E08036239A}"/>
+    <dgm:cxn modelId="{8C83968A-3909-4754-8604-0559DCC432F3}" type="presOf" srcId="{6117D2BD-5079-47AB-9F9A-8A14E003F07D}" destId="{70757279-71FF-4040-B5DC-9DA4EEF2B5C0}" srcOrd="1" destOrd="2" presId="urn:microsoft.com/office/officeart/2005/8/layout/vList4"/>
+    <dgm:cxn modelId="{417A92E5-9994-4871-8B17-DD24FA2F5653}" type="presOf" srcId="{6B5E6192-DF53-4B6F-AD94-136C537B61B6}" destId="{53D9EF73-03DC-4715-96CD-F547096E13EE}" srcOrd="0" destOrd="2" presId="urn:microsoft.com/office/officeart/2005/8/layout/vList4"/>
+    <dgm:cxn modelId="{C5403BED-53F9-497E-B881-B8389FB814C4}" type="presOf" srcId="{21C56752-BDEB-4176-8D99-0BC32949DF93}" destId="{8FF57012-0281-45B4-94E7-A8163410F25B}" srcOrd="0" destOrd="0" presId="urn:microsoft.com/office/officeart/2005/8/layout/vList4"/>
+    <dgm:cxn modelId="{54B4E28F-EB63-4637-8FEA-1F9C9268CAA2}" type="presOf" srcId="{6B5E6192-DF53-4B6F-AD94-136C537B61B6}" destId="{22CFA9D1-D42A-4DD7-98F4-30955C66846E}" srcOrd="1" destOrd="2" presId="urn:microsoft.com/office/officeart/2005/8/layout/vList4"/>
+    <dgm:cxn modelId="{7A0110B8-EF26-466A-A62D-74657F1E80B0}" type="presOf" srcId="{433C43B2-B14A-4E65-895F-8306BCA27AD7}" destId="{255F86F3-FBD2-4D45-AB63-2AE3AF05CB6A}" srcOrd="0" destOrd="0" presId="urn:microsoft.com/office/officeart/2005/8/layout/vList4"/>
+    <dgm:cxn modelId="{B74809AD-475C-40E5-8C6A-5502945338D7}" srcId="{CCA6A1E3-735B-4C9A-BA95-723D803A3C28}" destId="{6B5E6192-DF53-4B6F-AD94-136C537B61B6}" srcOrd="1" destOrd="0" parTransId="{AC7163D8-25F3-472B-BAF7-18472B79229D}" sibTransId="{85E786A4-5CA7-4E81-A5F1-6A572D37CE6F}"/>
+    <dgm:cxn modelId="{648892AB-BFD4-477E-A878-1D9053B53168}" type="presOf" srcId="{CCA6A1E3-735B-4C9A-BA95-723D803A3C28}" destId="{53D9EF73-03DC-4715-96CD-F547096E13EE}" srcOrd="0" destOrd="0" presId="urn:microsoft.com/office/officeart/2005/8/layout/vList4"/>
+    <dgm:cxn modelId="{1A4274A9-DEBC-427A-BADD-43F2BB5D9C8B}" srcId="{21C56752-BDEB-4176-8D99-0BC32949DF93}" destId="{CCA6A1E3-735B-4C9A-BA95-723D803A3C28}" srcOrd="0" destOrd="0" parTransId="{A1F18895-E0A3-4AED-A747-EF1FF522B2DE}" sibTransId="{1CDA30AA-7794-4BF6-875A-00158BEF0C87}"/>
+    <dgm:cxn modelId="{C327B584-C156-4B2F-8CDC-5257981191A6}" srcId="{433C43B2-B14A-4E65-895F-8306BCA27AD7}" destId="{EE2070AA-2A5E-4592-A282-5DC04D76169C}" srcOrd="0" destOrd="0" parTransId="{27C3CC34-9529-4FBB-AD1D-17F14D185988}" sibTransId="{27BAF2AD-6BCD-4CA4-BD00-DEC75A22DC83}"/>
+    <dgm:cxn modelId="{CBF8D9E4-E0F2-4868-829F-E10B22E7810B}" type="presOf" srcId="{4BEF874D-284D-41A0-83E0-69B9BF37E835}" destId="{53D9EF73-03DC-4715-96CD-F547096E13EE}" srcOrd="0" destOrd="1" presId="urn:microsoft.com/office/officeart/2005/8/layout/vList4"/>
+    <dgm:cxn modelId="{A4A250F6-079F-46DF-86E9-A7F07451F090}" srcId="{433C43B2-B14A-4E65-895F-8306BCA27AD7}" destId="{6117D2BD-5079-47AB-9F9A-8A14E003F07D}" srcOrd="1" destOrd="0" parTransId="{0C731C7B-6528-4910-8C33-6078971DAF1F}" sibTransId="{F39E43CB-5FF1-45CD-85BB-91B768155191}"/>
+    <dgm:cxn modelId="{AB46E989-AB8B-4EDC-8BA7-AAC59FF8F5C1}" type="presOf" srcId="{4BEF874D-284D-41A0-83E0-69B9BF37E835}" destId="{22CFA9D1-D42A-4DD7-98F4-30955C66846E}" srcOrd="1" destOrd="1" presId="urn:microsoft.com/office/officeart/2005/8/layout/vList4"/>
+    <dgm:cxn modelId="{7E942B7C-DB0F-476F-81AD-7F734B6D4C04}" type="presOf" srcId="{CCA6A1E3-735B-4C9A-BA95-723D803A3C28}" destId="{22CFA9D1-D42A-4DD7-98F4-30955C66846E}" srcOrd="1" destOrd="0" presId="urn:microsoft.com/office/officeart/2005/8/layout/vList4"/>
+    <dgm:cxn modelId="{5A4CA5A2-4C50-40B9-9FB4-DFF0977CAD45}" type="presOf" srcId="{433C43B2-B14A-4E65-895F-8306BCA27AD7}" destId="{70757279-71FF-4040-B5DC-9DA4EEF2B5C0}" srcOrd="1" destOrd="0" presId="urn:microsoft.com/office/officeart/2005/8/layout/vList4"/>
+    <dgm:cxn modelId="{8126DCCE-D2FD-4032-AD04-1E4D48023409}" type="presOf" srcId="{EE2070AA-2A5E-4592-A282-5DC04D76169C}" destId="{255F86F3-FBD2-4D45-AB63-2AE3AF05CB6A}" srcOrd="0" destOrd="1" presId="urn:microsoft.com/office/officeart/2005/8/layout/vList4"/>
+    <dgm:cxn modelId="{8C0EE958-A90B-4268-B891-471F37B655FD}" type="presOf" srcId="{6117D2BD-5079-47AB-9F9A-8A14E003F07D}" destId="{255F86F3-FBD2-4D45-AB63-2AE3AF05CB6A}" srcOrd="0" destOrd="2" presId="urn:microsoft.com/office/officeart/2005/8/layout/vList4"/>
+    <dgm:cxn modelId="{0DB79CE0-6EB1-4CF8-8794-E8E65DB97110}" srcId="{21C56752-BDEB-4176-8D99-0BC32949DF93}" destId="{433C43B2-B14A-4E65-895F-8306BCA27AD7}" srcOrd="1" destOrd="0" parTransId="{8C3C1949-80A1-46B5-A955-389E058B5A4F}" sibTransId="{9C6E9068-357F-43FD-A832-58D5B789BB2D}"/>
+    <dgm:cxn modelId="{293C62E2-9C8B-42F8-ACA8-375A4C91989E}" type="presParOf" srcId="{8FF57012-0281-45B4-94E7-A8163410F25B}" destId="{4F1E41B2-0329-4818-AD93-BD7855CAD36F}" srcOrd="0" destOrd="0" presId="urn:microsoft.com/office/officeart/2005/8/layout/vList4"/>
+    <dgm:cxn modelId="{B2DB6D4C-5E82-4510-9C80-138D6493FD5C}" type="presParOf" srcId="{4F1E41B2-0329-4818-AD93-BD7855CAD36F}" destId="{53D9EF73-03DC-4715-96CD-F547096E13EE}" srcOrd="0" destOrd="0" presId="urn:microsoft.com/office/officeart/2005/8/layout/vList4"/>
+    <dgm:cxn modelId="{85F824C8-182F-4FE9-8601-970B764BB772}" type="presParOf" srcId="{4F1E41B2-0329-4818-AD93-BD7855CAD36F}" destId="{4AF19F15-EC1B-4199-8A0F-9A4F79176CDC}" srcOrd="1" destOrd="0" presId="urn:microsoft.com/office/officeart/2005/8/layout/vList4"/>
+    <dgm:cxn modelId="{EA4A7C64-DA70-4F00-996A-E069C43F159B}" type="presParOf" srcId="{4F1E41B2-0329-4818-AD93-BD7855CAD36F}" destId="{22CFA9D1-D42A-4DD7-98F4-30955C66846E}" srcOrd="2" destOrd="0" presId="urn:microsoft.com/office/officeart/2005/8/layout/vList4"/>
+    <dgm:cxn modelId="{705256B5-5DFC-4EB9-87B1-DBB02A96A0D8}" type="presParOf" srcId="{8FF57012-0281-45B4-94E7-A8163410F25B}" destId="{BD820A1D-ED16-48AD-8B48-67350F00182D}" srcOrd="1" destOrd="0" presId="urn:microsoft.com/office/officeart/2005/8/layout/vList4"/>
+    <dgm:cxn modelId="{A0ADBF37-E4DE-4174-922D-C95D9EFFDE33}" type="presParOf" srcId="{8FF57012-0281-45B4-94E7-A8163410F25B}" destId="{9A19599E-F458-45BD-BFF7-487590F2F1A5}" srcOrd="2" destOrd="0" presId="urn:microsoft.com/office/officeart/2005/8/layout/vList4"/>
+    <dgm:cxn modelId="{2CDCAD9B-90CF-4716-9F4E-164748552541}" type="presParOf" srcId="{9A19599E-F458-45BD-BFF7-487590F2F1A5}" destId="{255F86F3-FBD2-4D45-AB63-2AE3AF05CB6A}" srcOrd="0" destOrd="0" presId="urn:microsoft.com/office/officeart/2005/8/layout/vList4"/>
+    <dgm:cxn modelId="{C5FF8764-8BBF-4D15-91A4-5660B3DE66E1}" type="presParOf" srcId="{9A19599E-F458-45BD-BFF7-487590F2F1A5}" destId="{031AC7BA-00CB-448D-8EAF-0090BF3AEA0B}" srcOrd="1" destOrd="0" presId="urn:microsoft.com/office/officeart/2005/8/layout/vList4"/>
+    <dgm:cxn modelId="{C0508F61-F919-44A9-910A-3D3BEBF157A7}" type="presParOf" srcId="{9A19599E-F458-45BD-BFF7-487590F2F1A5}" destId="{70757279-71FF-4040-B5DC-9DA4EEF2B5C0}" srcOrd="2" destOrd="0" presId="urn:microsoft.com/office/officeart/2005/8/layout/vList4"/>
+  </dgm:cxnLst>
+  <dgm:bg/>
+  <dgm:whole/>
+</dgm:dataModel>
+</file>
+
+<file path=ppt/diagrams/layout1.xml><?xml version="1.0" encoding="utf-8"?>
+<dgm:layoutDef xmlns:dgm="http://schemas.openxmlformats.org/drawingml/2006/diagram" xmlns:a="http://schemas.openxmlformats.org/drawingml/2006/main" uniqueId="urn:microsoft.com/office/officeart/2005/8/layout/vList4">
+  <dgm:title val=""/>
+  <dgm:desc val=""/>
+  <dgm:catLst>
+    <dgm:cat type="list" pri="13000"/>
+  </dgm:catLst>
+  <dgm:sampData>
+    <dgm:dataModel>
+      <dgm:ptLst>
+        <dgm:pt modelId="0" type="doc"/>
+        <dgm:pt modelId="1">
+          <dgm:prSet phldr="1"/>
+        </dgm:pt>
+        <dgm:pt modelId="11">
+          <dgm:prSet phldr="1"/>
+        </dgm:pt>
+        <dgm:pt modelId="12">
+          <dgm:prSet phldr="1"/>
+        </dgm:pt>
+        <dgm:pt modelId="2">
+          <dgm:prSet phldr="1"/>
+        </dgm:pt>
+        <dgm:pt modelId="21">
+          <dgm:prSet phldr="1"/>
+        </dgm:pt>
+        <dgm:pt modelId="22">
+          <dgm:prSet phldr="1"/>
+        </dgm:pt>
+        <dgm:pt modelId="3">
+          <dgm:prSet phldr="1"/>
+        </dgm:pt>
+        <dgm:pt modelId="31">
+          <dgm:prSet phldr="1"/>
+        </dgm:pt>
+        <dgm:pt modelId="32">
+          <dgm:prSet phldr="1"/>
+        </dgm:pt>
+      </dgm:ptLst>
+      <dgm:cxnLst>
+        <dgm:cxn modelId="4" srcId="0" destId="1" srcOrd="0" destOrd="0"/>
+        <dgm:cxn modelId="5" srcId="0" destId="2" srcOrd="1" destOrd="0"/>
+        <dgm:cxn modelId="13" srcId="1" destId="11" srcOrd="0" destOrd="0"/>
+        <dgm:cxn modelId="14" srcId="1" destId="12" srcOrd="0" destOrd="0"/>
+        <dgm:cxn modelId="23" srcId="2" destId="21" srcOrd="0" destOrd="0"/>
+        <dgm:cxn modelId="24" srcId="2" destId="22" srcOrd="0" destOrd="0"/>
+        <dgm:cxn modelId="33" srcId="3" destId="31" srcOrd="0" destOrd="0"/>
+        <dgm:cxn modelId="34" srcId="3" destId="32" srcOrd="0" destOrd="0"/>
+      </dgm:cxnLst>
+      <dgm:bg/>
+      <dgm:whole/>
+    </dgm:dataModel>
+  </dgm:sampData>
+  <dgm:styleData>
+    <dgm:dataModel>
+      <dgm:ptLst>
+        <dgm:pt modelId="0" type="doc"/>
+        <dgm:pt modelId="1"/>
+        <dgm:pt modelId="2"/>
+      </dgm:ptLst>
+      <dgm:cxnLst>
+        <dgm:cxn modelId="3" srcId="0" destId="1" srcOrd="0" destOrd="0"/>
+        <dgm:cxn modelId="4" srcId="0" destId="2" srcOrd="1" destOrd="0"/>
+      </dgm:cxnLst>
+      <dgm:bg/>
+      <dgm:whole/>
+    </dgm:dataModel>
+  </dgm:styleData>
+  <dgm:clrData>
+    <dgm:dataModel>
+      <dgm:ptLst>
+        <dgm:pt modelId="0" type="doc"/>
+        <dgm:pt modelId="1"/>
+        <dgm:pt modelId="2"/>
+        <dgm:pt modelId="3"/>
+        <dgm:pt modelId="4"/>
+      </dgm:ptLst>
+      <dgm:cxnLst>
+        <dgm:cxn modelId="5" srcId="0" destId="1" srcOrd="0" destOrd="0"/>
+        <dgm:cxn modelId="6" srcId="0" destId="2" srcOrd="1" destOrd="0"/>
+        <dgm:cxn modelId="7" srcId="0" destId="3" srcOrd="2" destOrd="0"/>
+        <dgm:cxn modelId="8" srcId="0" destId="4" srcOrd="3" destOrd="0"/>
+      </dgm:cxnLst>
+      <dgm:bg/>
+      <dgm:whole/>
+    </dgm:dataModel>
+  </dgm:clrData>
+  <dgm:layoutNode name="linear">
+    <dgm:varLst>
+      <dgm:dir/>
+      <dgm:resizeHandles val="exact"/>
+    </dgm:varLst>
+    <dgm:alg type="lin">
+      <dgm:param type="linDir" val="fromT"/>
+      <dgm:param type="vertAlign" val="t"/>
+    </dgm:alg>
+    <dgm:shape xmlns:r="http://schemas.openxmlformats.org/officeDocument/2006/relationships" r:blip="">
+      <dgm:adjLst/>
+    </dgm:shape>
+    <dgm:presOf/>
+    <dgm:constrLst>
+      <dgm:constr type="w" for="ch" forName="comp" refType="w"/>
+      <dgm:constr type="h" for="ch" forName="comp" refType="h"/>
+      <dgm:constr type="h" for="ch" forName="spacer" refType="h" refFor="ch" refForName="comp" op="equ" fact="0.1"/>
+      <dgm:constr type="primFontSz" for="des" forName="text" op="equ" val="65"/>
+    </dgm:constrLst>
+    <dgm:ruleLst/>
+    <dgm:forEach name="Name0" axis="ch" ptType="node">
+      <dgm:layoutNode name="comp" styleLbl="node1">
+        <dgm:alg type="composite"/>
+        <dgm:shape xmlns:r="http://schemas.openxmlformats.org/officeDocument/2006/relationships" r:blip="">
+          <dgm:adjLst/>
+        </dgm:shape>
+        <dgm:presOf/>
+        <dgm:choose name="Name1">
+          <dgm:if name="Name2" func="var" arg="dir" op="equ" val="norm">
+            <dgm:constrLst>
+              <dgm:constr type="h" for="ch" forName="box" refType="h"/>
+              <dgm:constr type="w" for="ch" forName="box" refType="w"/>
+              <dgm:constr type="w" for="ch" forName="img" refType="w" refFor="ch" refForName="box" fact="0.2"/>
+              <dgm:constr type="h" for="ch" forName="img" refType="h" refFor="ch" refForName="box" fact="0.8"/>
+              <dgm:constr type="t" for="ch" forName="img" refType="h" refFor="ch" refForName="box" fact="0.1"/>
+              <dgm:constr type="l" for="ch" forName="img" refType="h" refFor="ch" refForName="box" fact="0.1"/>
+              <dgm:constr type="h" for="ch" forName="text" refType="h"/>
+              <dgm:constr type="l" for="ch" forName="text" refType="r" refFor="ch" refForName="img"/>
+              <dgm:constr type="r" for="ch" forName="text" refType="w"/>
+            </dgm:constrLst>
+          </dgm:if>
+          <dgm:else name="Name3">
+            <dgm:constrLst>
+              <dgm:constr type="h" for="ch" forName="box" refType="h"/>
+              <dgm:constr type="w" for="ch" forName="box" refType="w"/>
+              <dgm:constr type="w" for="ch" forName="img" refType="w" refFor="ch" refForName="box" fact="0.2"/>
+              <dgm:constr type="h" for="ch" forName="img" refType="h" refFor="ch" refForName="box" fact="0.8"/>
+              <dgm:constr type="t" for="ch" forName="img" refType="h" refFor="ch" refForName="box" fact="0.1"/>
+              <dgm:constr type="r" for="ch" forName="img" refType="w" refFor="ch" refForName="box"/>
+              <dgm:constr type="rOff" for="ch" forName="img" refType="h" refFor="ch" refForName="box" fact="-0.1"/>
+              <dgm:constr type="h" for="ch" forName="text" refType="h"/>
+              <dgm:constr type="r" for="ch" forName="text" refType="l" refFor="ch" refForName="img"/>
+              <dgm:constr type="l" for="ch" forName="text"/>
+            </dgm:constrLst>
+          </dgm:else>
+        </dgm:choose>
+        <dgm:ruleLst/>
+        <dgm:layoutNode name="box" styleLbl="node1">
+          <dgm:alg type="sp"/>
+          <dgm:shape xmlns:r="http://schemas.openxmlformats.org/officeDocument/2006/relationships" type="roundRect" r:blip="">
+            <dgm:adjLst>
+              <dgm:adj idx="1" val="0.1"/>
+            </dgm:adjLst>
+          </dgm:shape>
+          <dgm:presOf axis="desOrSelf" ptType="node"/>
+          <dgm:constrLst/>
+          <dgm:ruleLst/>
+        </dgm:layoutNode>
+        <dgm:layoutNode name="img" styleLbl="fgImgPlace1">
+          <dgm:alg type="sp"/>
+          <dgm:shape xmlns:r="http://schemas.openxmlformats.org/officeDocument/2006/relationships" type="roundRect" r:blip="" blipPhldr="1">
+            <dgm:adjLst>
+              <dgm:adj idx="1" val="0.1"/>
+            </dgm:adjLst>
+          </dgm:shape>
+          <dgm:presOf/>
+          <dgm:constrLst/>
+          <dgm:ruleLst/>
+        </dgm:layoutNode>
+        <dgm:layoutNode name="text">
+          <dgm:varLst>
+            <dgm:bulletEnabled val="1"/>
+          </dgm:varLst>
+          <dgm:alg type="tx">
+            <dgm:param type="parTxLTRAlign" val="l"/>
+            <dgm:param type="parTxRTLAlign" val="r"/>
+          </dgm:alg>
+          <dgm:shape xmlns:r="http://schemas.openxmlformats.org/officeDocument/2006/relationships" type="rect" r:blip="" hideGeom="1">
+            <dgm:adjLst/>
+          </dgm:shape>
+          <dgm:presOf axis="desOrSelf" ptType="node"/>
+          <dgm:constrLst>
+            <dgm:constr type="tMarg" refType="primFontSz" fact="0.3"/>
+            <dgm:constr type="bMarg" refType="primFontSz" fact="0.3"/>
+            <dgm:constr type="lMarg" refType="primFontSz" fact="0.3"/>
+            <dgm:constr type="rMarg" refType="primFontSz" fact="0.3"/>
+          </dgm:constrLst>
+          <dgm:ruleLst>
+            <dgm:rule type="primFontSz" val="5" fact="NaN" max="NaN"/>
+          </dgm:ruleLst>
+        </dgm:layoutNode>
+      </dgm:layoutNode>
+      <dgm:forEach name="Name4" axis="followSib" ptType="sibTrans" cnt="1">
+        <dgm:layoutNode name="spacer">
+          <dgm:alg type="sp"/>
+          <dgm:shape xmlns:r="http://schemas.openxmlformats.org/officeDocument/2006/relationships" r:blip="">
+            <dgm:adjLst/>
+          </dgm:shape>
+          <dgm:presOf axis="self"/>
+          <dgm:constrLst/>
+          <dgm:ruleLst/>
+        </dgm:layoutNode>
+      </dgm:forEach>
+    </dgm:forEach>
+  </dgm:layoutNode>
+</dgm:layoutDef>
+</file>
+
+<file path=ppt/diagrams/quickStyle1.xml><?xml version="1.0" encoding="utf-8"?>
+<dgm:styleDef xmlns:dgm="http://schemas.openxmlformats.org/drawingml/2006/diagram" xmlns:a="http://schemas.openxmlformats.org/drawingml/2006/main" uniqueId="urn:microsoft.com/office/officeart/2005/8/quickstyle/simple1">
+  <dgm:title val=""/>
+  <dgm:desc val=""/>
+  <dgm:catLst>
+    <dgm:cat type="simple" pri="10100"/>
+  </dgm:catLst>
+  <dgm:scene3d>
+    <a:camera prst="orthographicFront"/>
+    <a:lightRig rig="threePt" dir="t"/>
+  </dgm:scene3d>
+  <dgm:styleLbl name="node0">
+    <dgm:scene3d>
+      <a:camera prst="orthographicFront"/>
+      <a:lightRig rig="threePt" dir="t"/>
+    </dgm:scene3d>
+    <dgm:sp3d/>
+    <dgm:txPr/>
+    <dgm:style>
+      <a:lnRef idx="2">
+        <a:scrgbClr r="0" g="0" b="0"/>
+      </a:lnRef>
+      <a:fillRef idx="1">
+        <a:scrgbClr r="0" g="0" b="0"/>
+      </a:fillRef>
+      <a:effectRef idx="0">
+        <a:scrgbClr r="0" g="0" b="0"/>
+      </a:effectRef>
+      <a:fontRef idx="minor">
+        <a:schemeClr val="lt1"/>
+      </a:fontRef>
+    </dgm:style>
+  </dgm:styleLbl>
+  <dgm:styleLbl name="lnNode1">
+    <dgm:scene3d>
+      <a:camera prst="orthographicFront"/>
+      <a:lightRig rig="threePt" dir="t"/>
+    </dgm:scene3d>
+    <dgm:sp3d/>
+    <dgm:txPr/>
+    <dgm:style>
+      <a:lnRef idx="2">
+        <a:scrgbClr r="0" g="0" b="0"/>
+      </a:lnRef>
+      <a:fillRef idx="1">
+        <a:scrgbClr r="0" g="0" b="0"/>
+      </a:fillRef>
+      <a:effectRef idx="0">
+        <a:scrgbClr r="0" g="0" b="0"/>
+      </a:effectRef>
+      <a:fontRef idx="minor">
+        <a:schemeClr val="lt1"/>
+      </a:fontRef>
+    </dgm:style>
+  </dgm:styleLbl>
+  <dgm:styleLbl name="vennNode1">
+    <dgm:scene3d>
+      <a:camera prst="orthographicFront"/>
+      <a:lightRig rig="threePt" dir="t"/>
+    </dgm:scene3d>
+    <dgm:sp3d/>
+    <dgm:txPr/>
+    <dgm:style>
+      <a:lnRef idx="2">
+        <a:scrgbClr r="0" g="0" b="0"/>
+      </a:lnRef>
+      <a:fillRef idx="1">
+        <a:scrgbClr r="0" g="0" b="0"/>
+      </a:fillRef>
+      <a:effectRef idx="0">
+        <a:scrgbClr r="0" g="0" b="0"/>
+      </a:effectRef>
+      <a:fontRef idx="minor">
+        <a:schemeClr val="tx1"/>
+      </a:fontRef>
+    </dgm:style>
+  </dgm:styleLbl>
+  <dgm:styleLbl name="alignNode1">
+    <dgm:scene3d>
+      <a:camera prst="orthographicFront"/>
+      <a:lightRig rig="threePt" dir="t"/>
+    </dgm:scene3d>
+    <dgm:sp3d/>
+    <dgm:txPr/>
+    <dgm:style>
+      <a:lnRef idx="2">
+        <a:scrgbClr r="0" g="0" b="0"/>
+      </a:lnRef>
+      <a:fillRef idx="1">
+        <a:scrgbClr r="0" g="0" b="0"/>
+      </a:fillRef>
+      <a:effectRef idx="0">
+        <a:scrgbClr r="0" g="0" b="0"/>
+      </a:effectRef>
+      <a:fontRef idx="minor">
+        <a:schemeClr val="lt1"/>
+      </a:fontRef>
+    </dgm:style>
+  </dgm:styleLbl>
+  <dgm:styleLbl name="node1">
+    <dgm:scene3d>
+      <a:camera prst="orthographicFront"/>
+      <a:lightRig rig="threePt" dir="t"/>
+    </dgm:scene3d>
+    <dgm:sp3d/>
+    <dgm:txPr/>
+    <dgm:style>
+      <a:lnRef idx="2">
+        <a:scrgbClr r="0" g="0" b="0"/>
+      </a:lnRef>
+      <a:fillRef idx="1">
+        <a:scrgbClr r="0" g="0" b="0"/>
+      </a:fillRef>
+      <a:effectRef idx="0">
+        <a:scrgbClr r="0" g="0" b="0"/>
+      </a:effectRef>
+      <a:fontRef idx="minor">
+        <a:schemeClr val="lt1"/>
+      </a:fontRef>
+    </dgm:style>
+  </dgm:styleLbl>
+  <dgm:styleLbl name="node2">
+    <dgm:scene3d>
+      <a:camera prst="orthographicFront"/>
+      <a:lightRig rig="threePt" dir="t"/>
+    </dgm:scene3d>
+    <dgm:sp3d/>
+    <dgm:txPr/>
+    <dgm:style>
+      <a:lnRef idx="2">
+        <a:scrgbClr r="0" g="0" b="0"/>
+      </a:lnRef>
+      <a:fillRef idx="1">
+        <a:scrgbClr r="0" g="0" b="0"/>
+      </a:fillRef>
+      <a:effectRef idx="0">
+        <a:scrgbClr r="0" g="0" b="0"/>
+      </a:effectRef>
+      <a:fontRef idx="minor">
+        <a:schemeClr val="lt1"/>
+      </a:fontRef>
+    </dgm:style>
+  </dgm:styleLbl>
+  <dgm:styleLbl name="node3">
+    <dgm:scene3d>
+      <a:camera prst="orthographicFront"/>
+      <a:lightRig rig="threePt" dir="t"/>
+    </dgm:scene3d>
+    <dgm:sp3d/>
+    <dgm:txPr/>
+    <dgm:style>
+      <a:lnRef idx="2">
+        <a:scrgbClr r="0" g="0" b="0"/>
+      </a:lnRef>
+      <a:fillRef idx="1">
+        <a:scrgbClr r="0" g="0" b="0"/>
+      </a:fillRef>
+      <a:effectRef idx="0">
+        <a:scrgbClr r="0" g="0" b="0"/>
+      </a:effectRef>
+      <a:fontRef idx="minor">
+        <a:schemeClr val="lt1"/>
+      </a:fontRef>
+    </dgm:style>
+  </dgm:styleLbl>
+  <dgm:styleLbl name="node4">
+    <dgm:scene3d>
+      <a:camera prst="orthographicFront"/>
+      <a:lightRig rig="threePt" dir="t"/>
+    </dgm:scene3d>
+    <dgm:sp3d/>
+    <dgm:txPr/>
+    <dgm:style>
+      <a:lnRef idx="2">
+        <a:scrgbClr r="0" g="0" b="0"/>
+      </a:lnRef>
+      <a:fillRef idx="1">
+        <a:scrgbClr r="0" g="0" b="0"/>
+      </a:fillRef>
+      <a:effectRef idx="0">
+        <a:scrgbClr r="0" g="0" b="0"/>
+      </a:effectRef>
+      <a:fontRef idx="minor">
+        <a:schemeClr val="lt1"/>
+      </a:fontRef>
+    </dgm:style>
+  </dgm:styleLbl>
+  <dgm:styleLbl name="fgImgPlace1">
+    <dgm:scene3d>
+      <a:camera prst="orthographicFront"/>
+      <a:lightRig rig="threePt" dir="t"/>
+    </dgm:scene3d>
+    <dgm:sp3d/>
+    <dgm:txPr/>
+    <dgm:style>
+      <a:lnRef idx="2">
+        <a:scrgbClr r="0" g="0" b="0"/>
+      </a:lnRef>
+      <a:fillRef idx="1">
+        <a:scrgbClr r="0" g="0" b="0"/>
+      </a:fillRef>
+      <a:effectRef idx="0">
+        <a:scrgbClr r="0" g="0" b="0"/>
+      </a:effectRef>
+      <a:fontRef idx="minor"/>
+    </dgm:style>
+  </dgm:styleLbl>
+  <dgm:styleLbl name="alignImgPlace1">
+    <dgm:scene3d>
+      <a:camera prst="orthographicFront"/>
+      <a:lightRig rig="threePt" dir="t"/>
+    </dgm:scene3d>
+    <dgm:sp3d/>
+    <dgm:txPr/>
+    <dgm:style>
+      <a:lnRef idx="2">
+        <a:scrgbClr r="0" g="0" b="0"/>
+      </a:lnRef>
+      <a:fillRef idx="1">
+        <a:scrgbClr r="0" g="0" b="0"/>
+      </a:fillRef>
+      <a:effectRef idx="0">
+        <a:scrgbClr r="0" g="0" b="0"/>
+      </a:effectRef>
+      <a:fontRef idx="minor"/>
+    </dgm:style>
+  </dgm:styleLbl>
+  <dgm:styleLbl name="bgImgPlace1">
+    <dgm:scene3d>
+      <a:camera prst="orthographicFront"/>
+      <a:lightRig rig="threePt" dir="t"/>
+    </dgm:scene3d>
+    <dgm:sp3d/>
+    <dgm:txPr/>
+    <dgm:style>
+      <a:lnRef idx="2">
+        <a:scrgbClr r="0" g="0" b="0"/>
+      </a:lnRef>
+      <a:fillRef idx="1">
+        <a:scrgbClr r="0" g="0" b="0"/>
+      </a:fillRef>
+      <a:effectRef idx="0">
+        <a:scrgbClr r="0" g="0" b="0"/>
+      </a:effectRef>
+      <a:fontRef idx="minor"/>
+    </dgm:style>
+  </dgm:styleLbl>
+  <dgm:styleLbl name="sibTrans2D1">
+    <dgm:scene3d>
+      <a:camera prst="orthographicFront"/>
+      <a:lightRig rig="threePt" dir="t"/>
+    </dgm:scene3d>
+    <dgm:sp3d/>
+    <dgm:txPr/>
+    <dgm:style>
+      <a:lnRef idx="0">
+        <a:scrgbClr r="0" g="0" b="0"/>
+      </a:lnRef>
+      <a:fillRef idx="1">
+        <a:scrgbClr r="0" g="0" b="0"/>
+      </a:fillRef>
+      <a:effectRef idx="0">
+        <a:scrgbClr r="0" g="0" b="0"/>
+      </a:effectRef>
+      <a:fontRef idx="minor">
+        <a:schemeClr val="lt1"/>
+      </a:fontRef>
+    </dgm:style>
+  </dgm:styleLbl>
+  <dgm:styleLbl name="fgSibTrans2D1">
+    <dgm:scene3d>
+      <a:camera prst="orthographicFront"/>
+      <a:lightRig rig="threePt" dir="t"/>
+    </dgm:scene3d>
+    <dgm:sp3d/>
+    <dgm:txPr/>
+    <dgm:style>
+      <a:lnRef idx="0">
+        <a:scrgbClr r="0" g="0" b="0"/>
+      </a:lnRef>
+      <a:fillRef idx="1">
+        <a:scrgbClr r="0" g="0" b="0"/>
+      </a:fillRef>
+      <a:effectRef idx="0">
+        <a:scrgbClr r="0" g="0" b="0"/>
+      </a:effectRef>
+      <a:fontRef idx="minor">
+        <a:schemeClr val="lt1"/>
+      </a:fontRef>
+    </dgm:style>
+  </dgm:styleLbl>
+  <dgm:styleLbl name="bgSibTrans2D1">
+    <dgm:scene3d>
+      <a:camera prst="orthographicFront"/>
+      <a:lightRig rig="threePt" dir="t"/>
+    </dgm:scene3d>
+    <dgm:sp3d/>
+    <dgm:txPr/>
+    <dgm:style>
+      <a:lnRef idx="0">
+        <a:scrgbClr r="0" g="0" b="0"/>
+      </a:lnRef>
+      <a:fillRef idx="1">
+        <a:scrgbClr r="0" g="0" b="0"/>
+      </a:fillRef>
+      <a:effectRef idx="0">
+        <a:scrgbClr r="0" g="0" b="0"/>
+      </a:effectRef>
+      <a:fontRef idx="minor">
+        <a:schemeClr val="lt1"/>
+      </a:fontRef>
+    </dgm:style>
+  </dgm:styleLbl>
+  <dgm:styleLbl name="sibTrans1D1">
+    <dgm:scene3d>
+      <a:camera prst="orthographicFront"/>
+      <a:lightRig rig="threePt" dir="t"/>
+    </dgm:scene3d>
+    <dgm:sp3d/>
+    <dgm:txPr/>
+    <dgm:style>
+      <a:lnRef idx="1">
+        <a:scrgbClr r="0" g="0" b="0"/>
+      </a:lnRef>
+      <a:fillRef idx="0">
+        <a:scrgbClr r="0" g="0" b="0"/>
+      </a:fillRef>
+      <a:effectRef idx="0">
+        <a:scrgbClr r="0" g="0" b="0"/>
+      </a:effectRef>
+      <a:fontRef idx="minor"/>
+    </dgm:style>
+  </dgm:styleLbl>
+  <dgm:styleLbl name="callout">
+    <dgm:scene3d>
+      <a:camera prst="orthographicFront"/>
+      <a:lightRig rig="threePt" dir="t"/>
+    </dgm:scene3d>
+    <dgm:sp3d/>
+    <dgm:txPr/>
+    <dgm:style>
+      <a:lnRef idx="2">
+        <a:scrgbClr r="0" g="0" b="0"/>
+      </a:lnRef>
+      <a:fillRef idx="1">
+        <a:scrgbClr r="0" g="0" b="0"/>
+      </a:fillRef>
+      <a:effectRef idx="0">
+        <a:scrgbClr r="0" g="0" b="0"/>
+      </a:effectRef>
+      <a:fontRef idx="minor"/>
+    </dgm:style>
+  </dgm:styleLbl>
+  <dgm:styleLbl name="asst0">
+    <dgm:scene3d>
+      <a:camera prst="orthographicFront"/>
+      <a:lightRig rig="threePt" dir="t"/>
+    </dgm:scene3d>
+    <dgm:sp3d/>
+    <dgm:txPr/>
+    <dgm:style>
+      <a:lnRef idx="2">
+        <a:scrgbClr r="0" g="0" b="0"/>
+      </a:lnRef>
+      <a:fillRef idx="1">
+        <a:scrgbClr r="0" g="0" b="0"/>
+      </a:fillRef>
+      <a:effectRef idx="0">
+        <a:scrgbClr r="0" g="0" b="0"/>
+      </a:effectRef>
+      <a:fontRef idx="minor">
+        <a:schemeClr val="lt1"/>
+      </a:fontRef>
+    </dgm:style>
+  </dgm:styleLbl>
+  <dgm:styleLbl name="asst1">
+    <dgm:scene3d>
+      <a:camera prst="orthographicFront"/>
+      <a:lightRig rig="threePt" dir="t"/>
+    </dgm:scene3d>
+    <dgm:sp3d/>
+    <dgm:txPr/>
+    <dgm:style>
+      <a:lnRef idx="2">
+        <a:scrgbClr r="0" g="0" b="0"/>
+      </a:lnRef>
+      <a:fillRef idx="1">
+        <a:scrgbClr r="0" g="0" b="0"/>
+      </a:fillRef>
+      <a:effectRef idx="0">
+        <a:scrgbClr r="0" g="0" b="0"/>
+      </a:effectRef>
+      <a:fontRef idx="minor">
+        <a:schemeClr val="lt1"/>
+      </a:fontRef>
+    </dgm:style>
+  </dgm:styleLbl>
+  <dgm:styleLbl name="asst2">
+    <dgm:scene3d>
+      <a:camera prst="orthographicFront"/>
+      <a:lightRig rig="threePt" dir="t"/>
+    </dgm:scene3d>
+    <dgm:sp3d/>
+    <dgm:txPr/>
+    <dgm:style>
+      <a:lnRef idx="2">
+        <a:scrgbClr r="0" g="0" b="0"/>
+      </a:lnRef>
+      <a:fillRef idx="1">
+        <a:scrgbClr r="0" g="0" b="0"/>
+      </a:fillRef>
+      <a:effectRef idx="0">
+        <a:scrgbClr r="0" g="0" b="0"/>
+      </a:effectRef>
+      <a:fontRef idx="minor">
+        <a:schemeClr val="lt1"/>
+      </a:fontRef>
+    </dgm:style>
+  </dgm:styleLbl>
+  <dgm:styleLbl name="asst3">
+    <dgm:scene3d>
+      <a:camera prst="orthographicFront"/>
+      <a:lightRig rig="threePt" dir="t"/>
+    </dgm:scene3d>
+    <dgm:sp3d/>
+    <dgm:txPr/>
+    <dgm:style>
+      <a:lnRef idx="2">
+        <a:scrgbClr r="0" g="0" b="0"/>
+      </a:lnRef>
+      <a:fillRef idx="1">
+        <a:scrgbClr r="0" g="0" b="0"/>
+      </a:fillRef>
+      <a:effectRef idx="0">
+        <a:scrgbClr r="0" g="0" b="0"/>
+      </a:effectRef>
+      <a:fontRef idx="minor">
+        <a:schemeClr val="lt1"/>
+      </a:fontRef>
+    </dgm:style>
+  </dgm:styleLbl>
+  <dgm:styleLbl name="asst4">
+    <dgm:scene3d>
+      <a:camera prst="orthographicFront"/>
+      <a:lightRig rig="threePt" dir="t"/>
+    </dgm:scene3d>
+    <dgm:sp3d/>
+    <dgm:txPr/>
+    <dgm:style>
+      <a:lnRef idx="2">
+        <a:scrgbClr r="0" g="0" b="0"/>
+      </a:lnRef>
+      <a:fillRef idx="1">
+        <a:scrgbClr r="0" g="0" b="0"/>
+      </a:fillRef>
+      <a:effectRef idx="0">
+        <a:scrgbClr r="0" g="0" b="0"/>
+      </a:effectRef>
+      <a:fontRef idx="minor">
+        <a:schemeClr val="lt1"/>
+      </a:fontRef>
+    </dgm:style>
+  </dgm:styleLbl>
+  <dgm:styleLbl name="parChTrans2D1">
+    <dgm:scene3d>
+      <a:camera prst="orthographicFront"/>
+      <a:lightRig rig="threePt" dir="t"/>
+    </dgm:scene3d>
+    <dgm:sp3d/>
+    <dgm:txPr/>
+    <dgm:style>
+      <a:lnRef idx="2">
+        <a:scrgbClr r="0" g="0" b="0"/>
+      </a:lnRef>
+      <a:fillRef idx="1">
+        <a:scrgbClr r="0" g="0" b="0"/>
+      </a:fillRef>
+      <a:effectRef idx="0">
+        <a:scrgbClr r="0" g="0" b="0"/>
+      </a:effectRef>
+      <a:fontRef idx="minor">
+        <a:schemeClr val="lt1"/>
+      </a:fontRef>
+    </dgm:style>
+  </dgm:styleLbl>
+  <dgm:styleLbl name="parChTrans2D2">
+    <dgm:scene3d>
+      <a:camera prst="orthographicFront"/>
+      <a:lightRig rig="threePt" dir="t"/>
+    </dgm:scene3d>
+    <dgm:sp3d/>
+    <dgm:txPr/>
+    <dgm:style>
+      <a:lnRef idx="2">
+        <a:scrgbClr r="0" g="0" b="0"/>
+      </a:lnRef>
+      <a:fillRef idx="1">
+        <a:scrgbClr r="0" g="0" b="0"/>
+      </a:fillRef>
+      <a:effectRef idx="0">
+        <a:scrgbClr r="0" g="0" b="0"/>
+      </a:effectRef>
+      <a:fontRef idx="minor">
+        <a:schemeClr val="lt1"/>
+      </a:fontRef>
+    </dgm:style>
+  </dgm:styleLbl>
+  <dgm:styleLbl name="parChTrans2D3">
+    <dgm:scene3d>
+      <a:camera prst="orthographicFront"/>
+      <a:lightRig rig="threePt" dir="t"/>
+    </dgm:scene3d>
+    <dgm:sp3d/>
+    <dgm:txPr/>
+    <dgm:style>
+      <a:lnRef idx="2">
+        <a:scrgbClr r="0" g="0" b="0"/>
+      </a:lnRef>
+      <a:fillRef idx="1">
+        <a:scrgbClr r="0" g="0" b="0"/>
+      </a:fillRef>
+      <a:effectRef idx="0">
+        <a:scrgbClr r="0" g="0" b="0"/>
+      </a:effectRef>
+      <a:fontRef idx="minor">
+        <a:schemeClr val="lt1"/>
+      </a:fontRef>
+    </dgm:style>
+  </dgm:styleLbl>
+  <dgm:styleLbl name="parChTrans2D4">
+    <dgm:scene3d>
+      <a:camera prst="orthographicFront"/>
+      <a:lightRig rig="threePt" dir="t"/>
+    </dgm:scene3d>
+    <dgm:sp3d/>
+    <dgm:txPr/>
+    <dgm:style>
+      <a:lnRef idx="2">
+        <a:scrgbClr r="0" g="0" b="0"/>
+      </a:lnRef>
+      <a:fillRef idx="1">
+        <a:scrgbClr r="0" g="0" b="0"/>
+      </a:fillRef>
+      <a:effectRef idx="0">
+        <a:scrgbClr r="0" g="0" b="0"/>
+      </a:effectRef>
+      <a:fontRef idx="minor">
+        <a:schemeClr val="lt1"/>
+      </a:fontRef>
+    </dgm:style>
+  </dgm:styleLbl>
+  <dgm:styleLbl name="parChTrans1D1">
+    <dgm:scene3d>
+      <a:camera prst="orthographicFront"/>
+      <a:lightRig rig="threePt" dir="t"/>
+    </dgm:scene3d>
+    <dgm:sp3d/>
+    <dgm:txPr/>
+    <dgm:style>
+      <a:lnRef idx="2">
+        <a:scrgbClr r="0" g="0" b="0"/>
+      </a:lnRef>
+      <a:fillRef idx="0">
+        <a:scrgbClr r="0" g="0" b="0"/>
+      </a:fillRef>
+      <a:effectRef idx="0">
+        <a:scrgbClr r="0" g="0" b="0"/>
+      </a:effectRef>
+      <a:fontRef idx="minor"/>
+    </dgm:style>
+  </dgm:styleLbl>
+  <dgm:styleLbl name="parChTrans1D2">
+    <dgm:scene3d>
+      <a:camera prst="orthographicFront"/>
+      <a:lightRig rig="threePt" dir="t"/>
+    </dgm:scene3d>
+    <dgm:sp3d/>
+    <dgm:txPr/>
+    <dgm:style>
+      <a:lnRef idx="2">
+        <a:scrgbClr r="0" g="0" b="0"/>
+      </a:lnRef>
+      <a:fillRef idx="0">
+        <a:scrgbClr r="0" g="0" b="0"/>
+      </a:fillRef>
+      <a:effectRef idx="0">
+        <a:scrgbClr r="0" g="0" b="0"/>
+      </a:effectRef>
+      <a:fontRef idx="minor"/>
+    </dgm:style>
+  </dgm:styleLbl>
+  <dgm:styleLbl name="parChTrans1D3">
+    <dgm:scene3d>
+      <a:camera prst="orthographicFront"/>
+      <a:lightRig rig="threePt" dir="t"/>
+    </dgm:scene3d>
+    <dgm:sp3d/>
+    <dgm:txPr/>
+    <dgm:style>
+      <a:lnRef idx="2">
+        <a:scrgbClr r="0" g="0" b="0"/>
+      </a:lnRef>
+      <a:fillRef idx="0">
+        <a:scrgbClr r="0" g="0" b="0"/>
+      </a:fillRef>
+      <a:effectRef idx="0">
+        <a:scrgbClr r="0" g="0" b="0"/>
+      </a:effectRef>
+      <a:fontRef idx="minor"/>
+    </dgm:style>
+  </dgm:styleLbl>
+  <dgm:styleLbl name="parChTrans1D4">
+    <dgm:scene3d>
+      <a:camera prst="orthographicFront"/>
+      <a:lightRig rig="threePt" dir="t"/>
+    </dgm:scene3d>
+    <dgm:sp3d/>
+    <dgm:txPr/>
+    <dgm:style>
+      <a:lnRef idx="2">
+        <a:scrgbClr r="0" g="0" b="0"/>
+      </a:lnRef>
+      <a:fillRef idx="0">
+        <a:scrgbClr r="0" g="0" b="0"/>
+      </a:fillRef>
+      <a:effectRef idx="0">
+        <a:scrgbClr r="0" g="0" b="0"/>
+      </a:effectRef>
+      <a:fontRef idx="minor"/>
+    </dgm:style>
+  </dgm:styleLbl>
+  <dgm:styleLbl name="fgAcc1">
+    <dgm:scene3d>
+      <a:camera prst="orthographicFront"/>
+      <a:lightRig rig="threePt" dir="t"/>
+    </dgm:scene3d>
+    <dgm:sp3d/>
+    <dgm:txPr/>
+    <dgm:style>
+      <a:lnRef idx="2">
+        <a:scrgbClr r="0" g="0" b="0"/>
+      </a:lnRef>
+      <a:fillRef idx="1">
+        <a:scrgbClr r="0" g="0" b="0"/>
+      </a:fillRef>
+      <a:effectRef idx="0">
+        <a:scrgbClr r="0" g="0" b="0"/>
+      </a:effectRef>
+      <a:fontRef idx="minor"/>
+    </dgm:style>
+  </dgm:styleLbl>
+  <dgm:styleLbl name="conFgAcc1">
+    <dgm:scene3d>
+      <a:camera prst="orthographicFront"/>
+      <a:lightRig rig="threePt" dir="t"/>
+    </dgm:scene3d>
+    <dgm:sp3d/>
+    <dgm:txPr/>
+    <dgm:style>
+      <a:lnRef idx="2">
+        <a:scrgbClr r="0" g="0" b="0"/>
+      </a:lnRef>
+      <a:fillRef idx="1">
+        <a:scrgbClr r="0" g="0" b="0"/>
+      </a:fillRef>
+      <a:effectRef idx="0">
+        <a:scrgbClr r="0" g="0" b="0"/>
+      </a:effectRef>
+      <a:fontRef idx="minor"/>
+    </dgm:style>
+  </dgm:styleLbl>
+  <dgm:styleLbl name="alignAcc1">
+    <dgm:scene3d>
+      <a:camera prst="orthographicFront"/>
+      <a:lightRig rig="threePt" dir="t"/>
+    </dgm:scene3d>
+    <dgm:sp3d/>
+    <dgm:txPr/>
+    <dgm:style>
+      <a:lnRef idx="2">
+        <a:scrgbClr r="0" g="0" b="0"/>
+      </a:lnRef>
+      <a:fillRef idx="1">
+        <a:scrgbClr r="0" g="0" b="0"/>
+      </a:fillRef>
+      <a:effectRef idx="0">
+        <a:scrgbClr r="0" g="0" b="0"/>
+      </a:effectRef>
+      <a:fontRef idx="minor"/>
+    </dgm:style>
+  </dgm:styleLbl>
+  <dgm:styleLbl name="trAlignAcc1">
+    <dgm:scene3d>
+      <a:camera prst="orthographicFront"/>
+      <a:lightRig rig="threePt" dir="t"/>
+    </dgm:scene3d>
+    <dgm:sp3d/>
+    <dgm:txPr/>
+    <dgm:style>
+      <a:lnRef idx="1">
+        <a:scrgbClr r="0" g="0" b="0"/>
+      </a:lnRef>
+      <a:fillRef idx="1">
+        <a:scrgbClr r="0" g="0" b="0"/>
+      </a:fillRef>
+      <a:effectRef idx="0">
+        <a:scrgbClr r="0" g="0" b="0"/>
+      </a:effectRef>
+      <a:fontRef idx="minor"/>
+    </dgm:style>
+  </dgm:styleLbl>
+  <dgm:styleLbl name="bgAcc1">
+    <dgm:scene3d>
+      <a:camera prst="orthographicFront"/>
+      <a:lightRig rig="threePt" dir="t"/>
+    </dgm:scene3d>
+    <dgm:sp3d/>
+    <dgm:txPr/>
+    <dgm:style>
+      <a:lnRef idx="2">
+        <a:scrgbClr r="0" g="0" b="0"/>
+      </a:lnRef>
+      <a:fillRef idx="1">
+        <a:scrgbClr r="0" g="0" b="0"/>
+      </a:fillRef>
+      <a:effectRef idx="0">
+        <a:scrgbClr r="0" g="0" b="0"/>
+      </a:effectRef>
+      <a:fontRef idx="minor"/>
+    </dgm:style>
+  </dgm:styleLbl>
+  <dgm:styleLbl name="solidFgAcc1">
+    <dgm:scene3d>
+      <a:camera prst="orthographicFront"/>
+      <a:lightRig rig="threePt" dir="t"/>
+    </dgm:scene3d>
+    <dgm:sp3d/>
+    <dgm:txPr/>
+    <dgm:style>
+      <a:lnRef idx="2">
+        <a:scrgbClr r="0" g="0" b="0"/>
+      </a:lnRef>
+      <a:fillRef idx="1">
+        <a:scrgbClr r="0" g="0" b="0"/>
+      </a:fillRef>
+      <a:effectRef idx="0">
+        <a:scrgbClr r="0" g="0" b="0"/>
+      </a:effectRef>
+      <a:fontRef idx="minor"/>
+    </dgm:style>
+  </dgm:styleLbl>
+  <dgm:styleLbl name="solidAlignAcc1">
+    <dgm:scene3d>
+      <a:camera prst="orthographicFront"/>
+      <a:lightRig rig="threePt" dir="t"/>
+    </dgm:scene3d>
+    <dgm:sp3d/>
+    <dgm:txPr/>
+    <dgm:style>
+      <a:lnRef idx="2">
+        <a:scrgbClr r="0" g="0" b="0"/>
+      </a:lnRef>
+      <a:fillRef idx="1">
+        <a:scrgbClr r="0" g="0" b="0"/>
+      </a:fillRef>
+      <a:effectRef idx="0">
+        <a:scrgbClr r="0" g="0" b="0"/>
+      </a:effectRef>
+      <a:fontRef idx="minor"/>
+    </dgm:style>
+  </dgm:styleLbl>
+  <dgm:styleLbl name="solidBgAcc1">
+    <dgm:scene3d>
+      <a:camera prst="orthographicFront"/>
+      <a:lightRig rig="threePt" dir="t"/>
+    </dgm:scene3d>
+    <dgm:sp3d/>
+    <dgm:txPr/>
+    <dgm:style>
+      <a:lnRef idx="2">
+        <a:scrgbClr r="0" g="0" b="0"/>
+      </a:lnRef>
+      <a:fillRef idx="1">
+        <a:scrgbClr r="0" g="0" b="0"/>
+      </a:fillRef>
+      <a:effectRef idx="0">
+        <a:scrgbClr r="0" g="0" b="0"/>
+      </a:effectRef>
+      <a:fontRef idx="minor"/>
+    </dgm:style>
+  </dgm:styleLbl>
+  <dgm:styleLbl name="fgAccFollowNode1">
+    <dgm:scene3d>
+      <a:camera prst="orthographicFront"/>
+      <a:lightRig rig="threePt" dir="t"/>
+    </dgm:scene3d>
+    <dgm:sp3d/>
+    <dgm:txPr/>
+    <dgm:style>
+      <a:lnRef idx="2">
+        <a:scrgbClr r="0" g="0" b="0"/>
+      </a:lnRef>
+      <a:fillRef idx="1">
+        <a:scrgbClr r="0" g="0" b="0"/>
+      </a:fillRef>
+      <a:effectRef idx="0">
+        <a:scrgbClr r="0" g="0" b="0"/>
+      </a:effectRef>
+      <a:fontRef idx="minor"/>
+    </dgm:style>
+  </dgm:styleLbl>
+  <dgm:styleLbl name="alignAccFollowNode1">
+    <dgm:scene3d>
+      <a:camera prst="orthographicFront"/>
+      <a:lightRig rig="threePt" dir="t"/>
+    </dgm:scene3d>
+    <dgm:sp3d/>
+    <dgm:txPr/>
+    <dgm:style>
+      <a:lnRef idx="2">
+        <a:scrgbClr r="0" g="0" b="0"/>
+      </a:lnRef>
+      <a:fillRef idx="1">
+        <a:scrgbClr r="0" g="0" b="0"/>
+      </a:fillRef>
+      <a:effectRef idx="0">
+        <a:scrgbClr r="0" g="0" b="0"/>
+      </a:effectRef>
+      <a:fontRef idx="minor"/>
+    </dgm:style>
+  </dgm:styleLbl>
+  <dgm:styleLbl name="bgAccFollowNode1">
+    <dgm:scene3d>
+      <a:camera prst="orthographicFront"/>
+      <a:lightRig rig="threePt" dir="t"/>
+    </dgm:scene3d>
+    <dgm:sp3d/>
+    <dgm:txPr/>
+    <dgm:style>
+      <a:lnRef idx="2">
+        <a:scrgbClr r="0" g="0" b="0"/>
+      </a:lnRef>
+      <a:fillRef idx="1">
+        <a:scrgbClr r="0" g="0" b="0"/>
+      </a:fillRef>
+      <a:effectRef idx="0">
+        <a:scrgbClr r="0" g="0" b="0"/>
+      </a:effectRef>
+      <a:fontRef idx="minor"/>
+    </dgm:style>
+  </dgm:styleLbl>
+  <dgm:styleLbl name="fgAcc0">
+    <dgm:scene3d>
+      <a:camera prst="orthographicFront"/>
+      <a:lightRig rig="threePt" dir="t"/>
+    </dgm:scene3d>
+    <dgm:sp3d/>
+    <dgm:txPr/>
+    <dgm:style>
+      <a:lnRef idx="2">
+        <a:scrgbClr r="0" g="0" b="0"/>
+      </a:lnRef>
+      <a:fillRef idx="1">
+        <a:scrgbClr r="0" g="0" b="0"/>
+      </a:fillRef>
+      <a:effectRef idx="0">
+        <a:scrgbClr r="0" g="0" b="0"/>
+      </a:effectRef>
+      <a:fontRef idx="minor"/>
+    </dgm:style>
+  </dgm:styleLbl>
+  <dgm:styleLbl name="fgAcc2">
+    <dgm:scene3d>
+      <a:camera prst="orthographicFront"/>
+      <a:lightRig rig="threePt" dir="t"/>
+    </dgm:scene3d>
+    <dgm:sp3d/>
+    <dgm:txPr/>
+    <dgm:style>
+      <a:lnRef idx="2">
+        <a:scrgbClr r="0" g="0" b="0"/>
+      </a:lnRef>
+      <a:fillRef idx="1">
+        <a:scrgbClr r="0" g="0" b="0"/>
+      </a:fillRef>
+      <a:effectRef idx="0">
+        <a:scrgbClr r="0" g="0" b="0"/>
+      </a:effectRef>
+      <a:fontRef idx="minor"/>
+    </dgm:style>
+  </dgm:styleLbl>
+  <dgm:styleLbl name="fgAcc3">
+    <dgm:scene3d>
+      <a:camera prst="orthographicFront"/>
+      <a:lightRig rig="threePt" dir="t"/>
+    </dgm:scene3d>
+    <dgm:sp3d/>
+    <dgm:txPr/>
+    <dgm:style>
+      <a:lnRef idx="2">
+        <a:scrgbClr r="0" g="0" b="0"/>
+      </a:lnRef>
+      <a:fillRef idx="1">
+        <a:scrgbClr r="0" g="0" b="0"/>
+      </a:fillRef>
+      <a:effectRef idx="0">
+        <a:scrgbClr r="0" g="0" b="0"/>
+      </a:effectRef>
+      <a:fontRef idx="minor"/>
+    </dgm:style>
+  </dgm:styleLbl>
+  <dgm:styleLbl name="fgAcc4">
+    <dgm:scene3d>
+      <a:camera prst="orthographicFront"/>
+      <a:lightRig rig="threePt" dir="t"/>
+    </dgm:scene3d>
+    <dgm:sp3d/>
+    <dgm:txPr/>
+    <dgm:style>
+      <a:lnRef idx="2">
+        <a:scrgbClr r="0" g="0" b="0"/>
+      </a:lnRef>
+      <a:fillRef idx="1">
+        <a:scrgbClr r="0" g="0" b="0"/>
+      </a:fillRef>
+      <a:effectRef idx="0">
+        <a:scrgbClr r="0" g="0" b="0"/>
+      </a:effectRef>
+      <a:fontRef idx="minor"/>
+    </dgm:style>
+  </dgm:styleLbl>
+  <dgm:styleLbl name="bgShp">
+    <dgm:scene3d>
+      <a:camera prst="orthographicFront"/>
+      <a:lightRig rig="threePt" dir="t"/>
+    </dgm:scene3d>
+    <dgm:sp3d/>
+    <dgm:txPr/>
+    <dgm:style>
+      <a:lnRef idx="0">
+        <a:scrgbClr r="0" g="0" b="0"/>
+      </a:lnRef>
+      <a:fillRef idx="1">
+        <a:scrgbClr r="0" g="0" b="0"/>
+      </a:fillRef>
+      <a:effectRef idx="0">
+        <a:scrgbClr r="0" g="0" b="0"/>
+      </a:effectRef>
+      <a:fontRef idx="minor"/>
+    </dgm:style>
+  </dgm:styleLbl>
+  <dgm:styleLbl name="dkBgShp">
+    <dgm:scene3d>
+      <a:camera prst="orthographicFront"/>
+      <a:lightRig rig="threePt" dir="t"/>
+    </dgm:scene3d>
+    <dgm:sp3d/>
+    <dgm:txPr/>
+    <dgm:style>
+      <a:lnRef idx="0">
+        <a:scrgbClr r="0" g="0" b="0"/>
+      </a:lnRef>
+      <a:fillRef idx="1">
+        <a:scrgbClr r="0" g="0" b="0"/>
+      </a:fillRef>
+      <a:effectRef idx="0">
+        <a:scrgbClr r="0" g="0" b="0"/>
+      </a:effectRef>
+      <a:fontRef idx="minor"/>
+    </dgm:style>
+  </dgm:styleLbl>
+  <dgm:styleLbl name="trBgShp">
+    <dgm:scene3d>
+      <a:camera prst="orthographicFront"/>
+      <a:lightRig rig="threePt" dir="t"/>
+    </dgm:scene3d>
+    <dgm:sp3d/>
+    <dgm:txPr/>
+    <dgm:style>
+      <a:lnRef idx="0">
+        <a:scrgbClr r="0" g="0" b="0"/>
+      </a:lnRef>
+      <a:fillRef idx="1">
+        <a:scrgbClr r="0" g="0" b="0"/>
+      </a:fillRef>
+      <a:effectRef idx="0">
+        <a:scrgbClr r="0" g="0" b="0"/>
+      </a:effectRef>
+      <a:fontRef idx="minor"/>
+    </dgm:style>
+  </dgm:styleLbl>
+  <dgm:styleLbl name="fgShp">
+    <dgm:scene3d>
+      <a:camera prst="orthographicFront"/>
+      <a:lightRig rig="threePt" dir="t"/>
+    </dgm:scene3d>
+    <dgm:sp3d/>
+    <dgm:txPr/>
+    <dgm:style>
+      <a:lnRef idx="2">
+        <a:scrgbClr r="0" g="0" b="0"/>
+      </a:lnRef>
+      <a:fillRef idx="1">
+        <a:scrgbClr r="0" g="0" b="0"/>
+      </a:fillRef>
+      <a:effectRef idx="0">
+        <a:scrgbClr r="0" g="0" b="0"/>
+      </a:effectRef>
+      <a:fontRef idx="minor"/>
+    </dgm:style>
+  </dgm:styleLbl>
+  <dgm:styleLbl name="revTx">
+    <dgm:scene3d>
+      <a:camera prst="orthographicFront"/>
+      <a:lightRig rig="threePt" dir="t"/>
+    </dgm:scene3d>
+    <dgm:sp3d/>
+    <dgm:txPr/>
+    <dgm:style>
+      <a:lnRef idx="0">
+        <a:scrgbClr r="0" g="0" b="0"/>
+      </a:lnRef>
+      <a:fillRef idx="0">
+        <a:scrgbClr r="0" g="0" b="0"/>
+      </a:fillRef>
+      <a:effectRef idx="0">
+        <a:scrgbClr r="0" g="0" b="0"/>
+      </a:effectRef>
+      <a:fontRef idx="minor"/>
+    </dgm:style>
+  </dgm:styleLbl>
+</dgm:styleDef>
+</file>
+
 <file path=ppt/notesMasters/notesMaster1.xml><?xml version="1.0" encoding="utf-8"?>
 <p:notesMaster xmlns:a="http://schemas.openxmlformats.org/drawingml/2006/main" xmlns:r="http://schemas.openxmlformats.org/officeDocument/2006/relationships" xmlns:p="http://schemas.openxmlformats.org/presentationml/2006/main">
   <p:cSld>
@@ -1182,7 +3629,7 @@
             <a:fld id="{25AD3388-242D-4241-BD47-FD158BBB91DE}" type="datetimeFigureOut">
               <a:rPr lang="zh-CN" altLang="en-US" smtClean="0"/>
               <a:pPr/>
-              <a:t>2020/11/23</a:t>
+              <a:t>2020/11/26</a:t>
             </a:fld>
             <a:endParaRPr lang="zh-CN" altLang="en-US"/>
           </a:p>
@@ -1634,7 +4081,7 @@
             <a:fld id="{DF6047D9-FEE4-4881-B706-9575ADABFECF}" type="datetimeFigureOut">
               <a:rPr lang="zh-CN" altLang="en-US" smtClean="0"/>
               <a:pPr/>
-              <a:t>2020/11/23</a:t>
+              <a:t>2020/11/26</a:t>
             </a:fld>
             <a:endParaRPr lang="zh-CN" altLang="en-US"/>
           </a:p>
@@ -1811,7 +4258,7 @@
             <a:fld id="{DF6047D9-FEE4-4881-B706-9575ADABFECF}" type="datetimeFigureOut">
               <a:rPr lang="zh-CN" altLang="en-US" smtClean="0"/>
               <a:pPr/>
-              <a:t>2020/11/23</a:t>
+              <a:t>2020/11/26</a:t>
             </a:fld>
             <a:endParaRPr lang="zh-CN" altLang="en-US"/>
           </a:p>
@@ -1903,7 +4350,7 @@
             <a:fld id="{DF6047D9-FEE4-4881-B706-9575ADABFECF}" type="datetimeFigureOut">
               <a:rPr lang="zh-CN" altLang="en-US" smtClean="0"/>
               <a:pPr/>
-              <a:t>2020/11/23</a:t>
+              <a:t>2020/11/26</a:t>
             </a:fld>
             <a:endParaRPr lang="zh-CN" altLang="en-US"/>
           </a:p>
@@ -3276,7 +5723,7 @@
           <a:blip r:embed="rId2">
             <a:extLst>
               <a:ext uri="{28A0092B-C50C-407E-A947-70E740481C1C}">
-                <a14:useLocalDpi xmlns="" xmlns:a14="http://schemas.microsoft.com/office/drawing/2010/main" val="0"/>
+                <a14:useLocalDpi xmlns:a14="http://schemas.microsoft.com/office/drawing/2010/main" xmlns="" val="0"/>
               </a:ext>
             </a:extLst>
           </a:blip>
@@ -3576,7 +6023,7 @@
             <a:fld id="{DF6047D9-FEE4-4881-B706-9575ADABFECF}" type="datetimeFigureOut">
               <a:rPr lang="zh-CN" altLang="en-US" smtClean="0"/>
               <a:pPr/>
-              <a:t>2020/11/23</a:t>
+              <a:t>2020/11/26</a:t>
             </a:fld>
             <a:endParaRPr lang="zh-CN" altLang="en-US"/>
           </a:p>
@@ -3743,7 +6190,7 @@
             <a:fld id="{DF6047D9-FEE4-4881-B706-9575ADABFECF}" type="datetimeFigureOut">
               <a:rPr lang="zh-CN" altLang="en-US" smtClean="0"/>
               <a:pPr/>
-              <a:t>2020/11/23</a:t>
+              <a:t>2020/11/26</a:t>
             </a:fld>
             <a:endParaRPr lang="zh-CN" altLang="en-US"/>
           </a:p>
@@ -3953,7 +6400,7 @@
             <a:fld id="{DF6047D9-FEE4-4881-B706-9575ADABFECF}" type="datetimeFigureOut">
               <a:rPr lang="zh-CN" altLang="en-US" smtClean="0"/>
               <a:pPr/>
-              <a:t>2020/11/23</a:t>
+              <a:t>2020/11/26</a:t>
             </a:fld>
             <a:endParaRPr lang="zh-CN" altLang="en-US"/>
           </a:p>
@@ -4546,7 +6993,7 @@
     <a:masterClrMapping/>
   </p:clrMapOvr>
   <mc:AlternateContent xmlns:mc="http://schemas.openxmlformats.org/markup-compatibility/2006">
-    <mc:Choice xmlns="" xmlns:p14="http://schemas.microsoft.com/office/powerpoint/2010/main" Requires="p14">
+    <mc:Choice xmlns:p14="http://schemas.microsoft.com/office/powerpoint/2010/main" xmlns="" Requires="p14">
       <p:transition spd="slow" p14:dur="800">
         <p:circle/>
       </p:transition>
@@ -10234,20 +12681,55 @@
                 <a:latin typeface="Times New Roman" pitchFamily="18" charset="0"/>
                 <a:cs typeface="Times New Roman" pitchFamily="18" charset="0"/>
               </a:rPr>
-              <a:t>按照中信证券的报告</a:t>
+              <a:t>按照中信证券的报告，</a:t>
+            </a:r>
+            <a:r>
+              <a:rPr lang="en-US" altLang="zh-CN" sz="2000" dirty="0" smtClean="0">
+                <a:latin typeface="Times New Roman" pitchFamily="18" charset="0"/>
+                <a:cs typeface="Times New Roman" pitchFamily="18" charset="0"/>
+              </a:rPr>
+              <a:t>NMN</a:t>
             </a:r>
             <a:r>
               <a:rPr lang="zh-CN" altLang="en-US" sz="2000" dirty="0" smtClean="0">
                 <a:latin typeface="Times New Roman" pitchFamily="18" charset="0"/>
                 <a:cs typeface="Times New Roman" pitchFamily="18" charset="0"/>
               </a:rPr>
-              <a:t>，</a:t>
+              <a:t>产品每覆盖</a:t>
             </a:r>
             <a:r>
               <a:rPr lang="en-US" altLang="zh-CN" sz="2000" dirty="0" smtClean="0">
                 <a:latin typeface="Times New Roman" pitchFamily="18" charset="0"/>
                 <a:cs typeface="Times New Roman" pitchFamily="18" charset="0"/>
               </a:rPr>
+              <a:t>1%</a:t>
+            </a:r>
+            <a:r>
+              <a:rPr lang="zh-CN" altLang="en-US" sz="2000" dirty="0" smtClean="0">
+                <a:latin typeface="Times New Roman" pitchFamily="18" charset="0"/>
+                <a:cs typeface="Times New Roman" pitchFamily="18" charset="0"/>
+              </a:rPr>
+              <a:t>保健品人口对应</a:t>
+            </a:r>
+            <a:r>
+              <a:rPr lang="en-US" altLang="zh-CN" sz="2000" dirty="0" smtClean="0">
+                <a:latin typeface="Times New Roman" pitchFamily="18" charset="0"/>
+                <a:cs typeface="Times New Roman" pitchFamily="18" charset="0"/>
+              </a:rPr>
+              <a:t>304</a:t>
+            </a:r>
+            <a:r>
+              <a:rPr lang="zh-CN" altLang="en-US" sz="2000" dirty="0" smtClean="0">
+                <a:latin typeface="Times New Roman" pitchFamily="18" charset="0"/>
+                <a:cs typeface="Times New Roman" pitchFamily="18" charset="0"/>
+              </a:rPr>
+              <a:t>亿元市场空间，伴随抗衰老产品未来市场不断推广，如果</a:t>
+            </a:r>
+            <a:r>
+              <a:rPr lang="en-US" altLang="zh-CN" sz="2000" dirty="0" smtClean="0">
+                <a:latin typeface="Times New Roman" pitchFamily="18" charset="0"/>
+                <a:cs typeface="Times New Roman" pitchFamily="18" charset="0"/>
+              </a:rPr>
               <a:t>NMN</a:t>
             </a:r>
             <a:r>
@@ -10255,70 +12737,21 @@
                 <a:latin typeface="Times New Roman" pitchFamily="18" charset="0"/>
                 <a:cs typeface="Times New Roman" pitchFamily="18" charset="0"/>
               </a:rPr>
-              <a:t>产品每覆盖</a:t>
+              <a:t>产品能覆盖当前服用保健品人口的</a:t>
             </a:r>
             <a:r>
               <a:rPr lang="en-US" altLang="zh-CN" sz="2000" dirty="0" smtClean="0">
                 <a:latin typeface="Times New Roman" pitchFamily="18" charset="0"/>
                 <a:cs typeface="Times New Roman" pitchFamily="18" charset="0"/>
               </a:rPr>
-              <a:t>1%</a:t>
+              <a:t>3%</a:t>
             </a:r>
             <a:r>
               <a:rPr lang="zh-CN" altLang="en-US" sz="2000" dirty="0" smtClean="0">
                 <a:latin typeface="Times New Roman" pitchFamily="18" charset="0"/>
                 <a:cs typeface="Times New Roman" pitchFamily="18" charset="0"/>
               </a:rPr>
-              <a:t>保健品人口对应</a:t>
-            </a:r>
-            <a:r>
-              <a:rPr lang="en-US" altLang="zh-CN" sz="2000" dirty="0" smtClean="0">
-                <a:latin typeface="Times New Roman" pitchFamily="18" charset="0"/>
-                <a:cs typeface="Times New Roman" pitchFamily="18" charset="0"/>
-              </a:rPr>
-              <a:t>304</a:t>
-            </a:r>
-            <a:r>
-              <a:rPr lang="zh-CN" altLang="en-US" sz="2000" dirty="0" smtClean="0">
-                <a:latin typeface="Times New Roman" pitchFamily="18" charset="0"/>
-                <a:cs typeface="Times New Roman" pitchFamily="18" charset="0"/>
-              </a:rPr>
-              <a:t>亿元市场空间，伴随抗衰老产品未来市场不断推广，如果</a:t>
-            </a:r>
-            <a:r>
-              <a:rPr lang="en-US" altLang="zh-CN" sz="2000" dirty="0" smtClean="0">
-                <a:latin typeface="Times New Roman" pitchFamily="18" charset="0"/>
-                <a:cs typeface="Times New Roman" pitchFamily="18" charset="0"/>
-              </a:rPr>
-              <a:t>NMN</a:t>
-            </a:r>
-            <a:r>
-              <a:rPr lang="zh-CN" altLang="en-US" sz="2000" dirty="0" smtClean="0">
-                <a:latin typeface="Times New Roman" pitchFamily="18" charset="0"/>
-                <a:cs typeface="Times New Roman" pitchFamily="18" charset="0"/>
-              </a:rPr>
-              <a:t>产品能覆盖当前服用保健品人口的</a:t>
-            </a:r>
-            <a:r>
-              <a:rPr lang="en-US" altLang="zh-CN" sz="2000" dirty="0" smtClean="0">
-                <a:latin typeface="Times New Roman" pitchFamily="18" charset="0"/>
-                <a:cs typeface="Times New Roman" pitchFamily="18" charset="0"/>
-              </a:rPr>
-              <a:t>3%</a:t>
-            </a:r>
-            <a:r>
-              <a:rPr lang="zh-CN" altLang="en-US" sz="2000" dirty="0" smtClean="0">
-                <a:latin typeface="Times New Roman" pitchFamily="18" charset="0"/>
-                <a:cs typeface="Times New Roman" pitchFamily="18" charset="0"/>
-              </a:rPr>
-              <a:t>，其市场规模有望达到千亿</a:t>
-            </a:r>
-            <a:r>
-              <a:rPr lang="zh-CN" altLang="en-US" sz="2000" dirty="0" smtClean="0">
-                <a:latin typeface="Times New Roman" pitchFamily="18" charset="0"/>
-                <a:cs typeface="Times New Roman" pitchFamily="18" charset="0"/>
-              </a:rPr>
-              <a:t>，按照我们的市场份额，我们的市场规模可达</a:t>
+              <a:t>，其市场规模有望达到千亿，按照我们的市场份额，我们的市场规模可达</a:t>
             </a:r>
             <a:r>
               <a:rPr lang="en-US" altLang="zh-CN" sz="2000" dirty="0" smtClean="0">
@@ -11357,6 +13790,927 @@
 </p:sld>
 </file>
 
+<file path=ppt/slides/slide23.xml><?xml version="1.0" encoding="utf-8"?>
+<p:sld xmlns:a="http://schemas.openxmlformats.org/drawingml/2006/main" xmlns:r="http://schemas.openxmlformats.org/officeDocument/2006/relationships" xmlns:p="http://schemas.openxmlformats.org/presentationml/2006/main">
+  <p:cSld>
+    <p:spTree>
+      <p:nvGrpSpPr>
+        <p:cNvPr id="1" name=""/>
+        <p:cNvGrpSpPr/>
+        <p:nvPr/>
+      </p:nvGrpSpPr>
+      <p:grpSpPr>
+        <a:xfrm>
+          <a:off x="0" y="0"/>
+          <a:ext cx="0" cy="0"/>
+          <a:chOff x="0" y="0"/>
+          <a:chExt cx="0" cy="0"/>
+        </a:xfrm>
+      </p:grpSpPr>
+      <p:grpSp>
+        <p:nvGrpSpPr>
+          <p:cNvPr id="2" name="组合 6"/>
+          <p:cNvGrpSpPr/>
+          <p:nvPr/>
+        </p:nvGrpSpPr>
+        <p:grpSpPr>
+          <a:xfrm>
+            <a:off x="2543809" y="608430"/>
+            <a:ext cx="1279618" cy="1481182"/>
+            <a:chOff x="2543174" y="564615"/>
+            <a:chExt cx="1279618" cy="1481182"/>
+          </a:xfrm>
+        </p:grpSpPr>
+        <p:sp>
+          <p:nvSpPr>
+            <p:cNvPr id="12" name="矩形 11"/>
+            <p:cNvSpPr/>
+            <p:nvPr/>
+          </p:nvSpPr>
+          <p:spPr>
+            <a:xfrm rot="2705224">
+              <a:off x="2543174" y="781051"/>
+              <a:ext cx="1047750" cy="1047750"/>
+            </a:xfrm>
+            <a:prstGeom prst="rect">
+              <a:avLst/>
+            </a:prstGeom>
+            <a:solidFill>
+              <a:schemeClr val="bg1"/>
+            </a:solidFill>
+            <a:ln>
+              <a:noFill/>
+            </a:ln>
+          </p:spPr>
+          <p:style>
+            <a:lnRef idx="2">
+              <a:schemeClr val="accent1">
+                <a:shade val="50000"/>
+              </a:schemeClr>
+            </a:lnRef>
+            <a:fillRef idx="1">
+              <a:schemeClr val="accent1"/>
+            </a:fillRef>
+            <a:effectRef idx="0">
+              <a:schemeClr val="accent1"/>
+            </a:effectRef>
+            <a:fontRef idx="minor">
+              <a:schemeClr val="lt1"/>
+            </a:fontRef>
+          </p:style>
+          <p:txBody>
+            <a:bodyPr rtlCol="0" anchor="ctr"/>
+            <a:lstStyle/>
+            <a:p>
+              <a:pPr algn="ctr"/>
+              <a:endParaRPr lang="zh-CN" altLang="en-US"/>
+            </a:p>
+          </p:txBody>
+        </p:sp>
+        <p:cxnSp>
+          <p:nvCxnSpPr>
+            <p:cNvPr id="14" name="直接连接符 13"/>
+            <p:cNvCxnSpPr/>
+            <p:nvPr/>
+          </p:nvCxnSpPr>
+          <p:spPr>
+            <a:xfrm>
+              <a:off x="3067050" y="564615"/>
+              <a:ext cx="740311" cy="740311"/>
+            </a:xfrm>
+            <a:prstGeom prst="line">
+              <a:avLst/>
+            </a:prstGeom>
+            <a:ln w="38100">
+              <a:solidFill>
+                <a:schemeClr val="tx2">
+                  <a:lumMod val="75000"/>
+                </a:schemeClr>
+              </a:solidFill>
+            </a:ln>
+          </p:spPr>
+          <p:style>
+            <a:lnRef idx="1">
+              <a:schemeClr val="accent1"/>
+            </a:lnRef>
+            <a:fillRef idx="0">
+              <a:schemeClr val="accent1"/>
+            </a:fillRef>
+            <a:effectRef idx="0">
+              <a:schemeClr val="accent1"/>
+            </a:effectRef>
+            <a:fontRef idx="minor">
+              <a:schemeClr val="tx1"/>
+            </a:fontRef>
+          </p:style>
+        </p:cxnSp>
+        <p:cxnSp>
+          <p:nvCxnSpPr>
+            <p:cNvPr id="15" name="直接连接符 14"/>
+            <p:cNvCxnSpPr/>
+            <p:nvPr/>
+          </p:nvCxnSpPr>
+          <p:spPr>
+            <a:xfrm flipH="1">
+              <a:off x="3066492" y="1290638"/>
+              <a:ext cx="756300" cy="755159"/>
+            </a:xfrm>
+            <a:prstGeom prst="line">
+              <a:avLst/>
+            </a:prstGeom>
+            <a:ln w="38100">
+              <a:solidFill>
+                <a:schemeClr val="tx2">
+                  <a:lumMod val="75000"/>
+                </a:schemeClr>
+              </a:solidFill>
+            </a:ln>
+          </p:spPr>
+          <p:style>
+            <a:lnRef idx="1">
+              <a:schemeClr val="accent1"/>
+            </a:lnRef>
+            <a:fillRef idx="0">
+              <a:schemeClr val="accent1"/>
+            </a:fillRef>
+            <a:effectRef idx="0">
+              <a:schemeClr val="accent1"/>
+            </a:effectRef>
+            <a:fontRef idx="minor">
+              <a:schemeClr val="tx1"/>
+            </a:fontRef>
+          </p:style>
+        </p:cxnSp>
+      </p:grpSp>
+      <p:sp>
+        <p:nvSpPr>
+          <p:cNvPr id="26" name="文本框 25"/>
+          <p:cNvSpPr txBox="1"/>
+          <p:nvPr/>
+        </p:nvSpPr>
+        <p:spPr>
+          <a:xfrm>
+            <a:off x="2725505" y="683756"/>
+            <a:ext cx="684446" cy="1198880"/>
+          </a:xfrm>
+          <a:prstGeom prst="rect">
+            <a:avLst/>
+          </a:prstGeom>
+          <a:noFill/>
+        </p:spPr>
+        <p:txBody>
+          <a:bodyPr wrap="square" rtlCol="0">
+            <a:spAutoFit/>
+          </a:bodyPr>
+          <a:lstStyle/>
+          <a:p>
+            <a:r>
+              <a:rPr lang="en-US" altLang="zh-CN" sz="7200" b="1" dirty="0"/>
+              <a:t>9</a:t>
+            </a:r>
+            <a:endParaRPr lang="en-US" altLang="zh-CN" sz="7200" b="1" dirty="0"/>
+          </a:p>
+        </p:txBody>
+      </p:sp>
+      <p:sp>
+        <p:nvSpPr>
+          <p:cNvPr id="38" name="文本框 37"/>
+          <p:cNvSpPr txBox="1"/>
+          <p:nvPr/>
+        </p:nvSpPr>
+        <p:spPr>
+          <a:xfrm>
+            <a:off x="3808008" y="407026"/>
+            <a:ext cx="3736435" cy="583565"/>
+          </a:xfrm>
+          <a:prstGeom prst="rect">
+            <a:avLst/>
+          </a:prstGeom>
+          <a:noFill/>
+        </p:spPr>
+        <p:txBody>
+          <a:bodyPr wrap="square" rtlCol="0">
+            <a:spAutoFit/>
+          </a:bodyPr>
+          <a:lstStyle/>
+          <a:p>
+            <a:r>
+              <a:rPr lang="zh-CN" altLang="en-US" sz="3200" dirty="0" smtClean="0">
+                <a:latin typeface="微软雅黑" panose="020B0503020204020204" pitchFamily="34" charset="-122"/>
+                <a:ea typeface="微软雅黑" panose="020B0503020204020204" pitchFamily="34" charset="-122"/>
+              </a:rPr>
+              <a:t>团队介绍</a:t>
+            </a:r>
+            <a:endParaRPr lang="zh-CN" altLang="en-US" sz="3200" dirty="0" smtClean="0">
+              <a:latin typeface="微软雅黑" panose="020B0503020204020204" pitchFamily="34" charset="-122"/>
+              <a:ea typeface="微软雅黑" panose="020B0503020204020204" pitchFamily="34" charset="-122"/>
+            </a:endParaRPr>
+          </a:p>
+        </p:txBody>
+      </p:sp>
+      <p:sp>
+        <p:nvSpPr>
+          <p:cNvPr id="5" name="文本框 4"/>
+          <p:cNvSpPr txBox="1"/>
+          <p:nvPr/>
+        </p:nvSpPr>
+        <p:spPr>
+          <a:xfrm>
+            <a:off x="3176905" y="1993900"/>
+            <a:ext cx="8822690" cy="1477328"/>
+          </a:xfrm>
+          <a:prstGeom prst="rect">
+            <a:avLst/>
+          </a:prstGeom>
+          <a:noFill/>
+          <a:ln w="9525">
+            <a:noFill/>
+          </a:ln>
+        </p:spPr>
+        <p:txBody>
+          <a:bodyPr wrap="square">
+            <a:spAutoFit/>
+          </a:bodyPr>
+          <a:lstStyle/>
+          <a:p>
+            <a:pPr marL="685800" indent="-342900">
+              <a:lnSpc>
+                <a:spcPct val="150000"/>
+              </a:lnSpc>
+              <a:buFont typeface="Wingdings" panose="05000000000000000000" charset="0"/>
+              <a:buChar char=""/>
+            </a:pPr>
+            <a:r>
+              <a:rPr lang="zh-CN" altLang="en-US" sz="2000" b="0" dirty="0" smtClean="0">
+                <a:latin typeface="Times New Roman" pitchFamily="18" charset="0"/>
+                <a:cs typeface="Times New Roman" pitchFamily="18" charset="0"/>
+              </a:rPr>
+              <a:t>我们和美国</a:t>
+            </a:r>
+            <a:r>
+              <a:rPr lang="en-US" sz="2000" dirty="0" smtClean="0"/>
+              <a:t>Missouri</a:t>
+            </a:r>
+            <a:r>
+              <a:rPr lang="zh-CN" altLang="en-US" sz="2000" b="0" dirty="0" smtClean="0">
+                <a:latin typeface="Times New Roman" pitchFamily="18" charset="0"/>
+                <a:cs typeface="Times New Roman" pitchFamily="18" charset="0"/>
+              </a:rPr>
+              <a:t>的</a:t>
+            </a:r>
+            <a:r>
+              <a:rPr lang="en-US" altLang="zh-CN" sz="2000" b="0" dirty="0" smtClean="0">
+                <a:latin typeface="Times New Roman" pitchFamily="18" charset="0"/>
+                <a:cs typeface="Times New Roman" pitchFamily="18" charset="0"/>
+              </a:rPr>
+              <a:t>Sinclair</a:t>
+            </a:r>
+            <a:r>
+              <a:rPr lang="zh-CN" altLang="en-US" sz="2000" dirty="0" smtClean="0">
+                <a:latin typeface="Times New Roman" pitchFamily="18" charset="0"/>
+                <a:cs typeface="Times New Roman" pitchFamily="18" charset="0"/>
+              </a:rPr>
+              <a:t>实验室合作，该实验室在生命科学领域具有强大科研实力，同时具有强大的药品研发能力，拥有</a:t>
+            </a:r>
+            <a:r>
+              <a:rPr lang="zh-CN" altLang="en-US" sz="2000" dirty="0" smtClean="0">
+                <a:solidFill>
+                  <a:srgbClr val="FF0000"/>
+                </a:solidFill>
+                <a:latin typeface="Times New Roman" pitchFamily="18" charset="0"/>
+                <a:cs typeface="Times New Roman" pitchFamily="18" charset="0"/>
+              </a:rPr>
+              <a:t>超过</a:t>
+            </a:r>
+            <a:r>
+              <a:rPr lang="en-US" altLang="zh-CN" sz="2000" dirty="0" smtClean="0">
+                <a:solidFill>
+                  <a:srgbClr val="FF0000"/>
+                </a:solidFill>
+                <a:latin typeface="Times New Roman" pitchFamily="18" charset="0"/>
+                <a:cs typeface="Times New Roman" pitchFamily="18" charset="0"/>
+              </a:rPr>
+              <a:t>100</a:t>
+            </a:r>
+            <a:r>
+              <a:rPr lang="zh-CN" altLang="en-US" sz="2000" dirty="0" smtClean="0">
+                <a:solidFill>
+                  <a:srgbClr val="FF0000"/>
+                </a:solidFill>
+                <a:latin typeface="Times New Roman" pitchFamily="18" charset="0"/>
+                <a:cs typeface="Times New Roman" pitchFamily="18" charset="0"/>
+              </a:rPr>
+              <a:t>名</a:t>
+            </a:r>
+            <a:r>
+              <a:rPr lang="zh-CN" altLang="en-US" sz="2000" dirty="0" smtClean="0">
+                <a:latin typeface="Times New Roman" pitchFamily="18" charset="0"/>
+                <a:cs typeface="Times New Roman" pitchFamily="18" charset="0"/>
+              </a:rPr>
+              <a:t>研究专家，同时拥有一个特殊的专门研究</a:t>
+            </a:r>
+            <a:r>
+              <a:rPr lang="zh-CN" altLang="en-US" sz="2000" dirty="0" smtClean="0">
+                <a:solidFill>
+                  <a:srgbClr val="FF0000"/>
+                </a:solidFill>
+                <a:latin typeface="Times New Roman" pitchFamily="18" charset="0"/>
+                <a:cs typeface="Times New Roman" pitchFamily="18" charset="0"/>
+              </a:rPr>
+              <a:t>衰老</a:t>
+            </a:r>
+            <a:r>
+              <a:rPr lang="zh-CN" altLang="en-US" sz="2000" dirty="0" smtClean="0">
+                <a:latin typeface="Times New Roman" pitchFamily="18" charset="0"/>
+                <a:cs typeface="Times New Roman" pitchFamily="18" charset="0"/>
+              </a:rPr>
+              <a:t>的研究组。</a:t>
+            </a:r>
+            <a:endParaRPr lang="en-US" altLang="zh-CN" sz="2000" dirty="0" smtClean="0">
+              <a:latin typeface="Times New Roman" pitchFamily="18" charset="0"/>
+              <a:cs typeface="Times New Roman" pitchFamily="18" charset="0"/>
+            </a:endParaRPr>
+          </a:p>
+        </p:txBody>
+      </p:sp>
+      <p:sp>
+        <p:nvSpPr>
+          <p:cNvPr id="9" name="文本框 3"/>
+          <p:cNvSpPr txBox="1"/>
+          <p:nvPr/>
+        </p:nvSpPr>
+        <p:spPr>
+          <a:xfrm>
+            <a:off x="3670707" y="1481419"/>
+            <a:ext cx="1499128" cy="400110"/>
+          </a:xfrm>
+          <a:prstGeom prst="rect">
+            <a:avLst/>
+          </a:prstGeom>
+          <a:noFill/>
+        </p:spPr>
+        <p:txBody>
+          <a:bodyPr wrap="none" rtlCol="0" anchor="t">
+            <a:spAutoFit/>
+          </a:bodyPr>
+          <a:lstStyle/>
+          <a:p>
+            <a:pPr marL="285750" indent="-285750" algn="l">
+              <a:buFont typeface="Wingdings" panose="05000000000000000000" charset="0"/>
+              <a:buChar char=""/>
+            </a:pPr>
+            <a:r>
+              <a:rPr lang="zh-CN" altLang="en-US" sz="2000" dirty="0" smtClean="0">
+                <a:latin typeface="Times New Roman" pitchFamily="18" charset="0"/>
+                <a:cs typeface="Times New Roman" pitchFamily="18" charset="0"/>
+                <a:sym typeface="+mn-ea"/>
+              </a:rPr>
+              <a:t>合作团队</a:t>
+            </a:r>
+            <a:endParaRPr lang="zh-CN" altLang="en-US" sz="2000" dirty="0">
+              <a:latin typeface="Times New Roman" pitchFamily="18" charset="0"/>
+              <a:cs typeface="Times New Roman" pitchFamily="18" charset="0"/>
+              <a:sym typeface="+mn-ea"/>
+            </a:endParaRPr>
+          </a:p>
+        </p:txBody>
+      </p:sp>
+      <p:sp>
+        <p:nvSpPr>
+          <p:cNvPr id="10" name="文本框 3"/>
+          <p:cNvSpPr txBox="1"/>
+          <p:nvPr/>
+        </p:nvSpPr>
+        <p:spPr>
+          <a:xfrm>
+            <a:off x="3665718" y="3939538"/>
+            <a:ext cx="1499128" cy="400110"/>
+          </a:xfrm>
+          <a:prstGeom prst="rect">
+            <a:avLst/>
+          </a:prstGeom>
+          <a:noFill/>
+        </p:spPr>
+        <p:txBody>
+          <a:bodyPr wrap="none" rtlCol="0" anchor="t">
+            <a:spAutoFit/>
+          </a:bodyPr>
+          <a:lstStyle/>
+          <a:p>
+            <a:pPr marL="285750" indent="-285750" algn="l">
+              <a:buFont typeface="Wingdings" panose="05000000000000000000" charset="0"/>
+              <a:buChar char=""/>
+            </a:pPr>
+            <a:r>
+              <a:rPr lang="zh-CN" altLang="en-US" sz="2000" dirty="0" smtClean="0">
+                <a:latin typeface="Times New Roman" pitchFamily="18" charset="0"/>
+                <a:cs typeface="Times New Roman" pitchFamily="18" charset="0"/>
+                <a:sym typeface="+mn-ea"/>
+              </a:rPr>
+              <a:t>相关论文</a:t>
+            </a:r>
+            <a:endParaRPr lang="zh-CN" altLang="en-US" sz="2000" dirty="0">
+              <a:latin typeface="Times New Roman" pitchFamily="18" charset="0"/>
+              <a:cs typeface="Times New Roman" pitchFamily="18" charset="0"/>
+              <a:sym typeface="+mn-ea"/>
+            </a:endParaRPr>
+          </a:p>
+        </p:txBody>
+      </p:sp>
+      <p:sp>
+        <p:nvSpPr>
+          <p:cNvPr id="11" name="文本框 4"/>
+          <p:cNvSpPr txBox="1"/>
+          <p:nvPr/>
+        </p:nvSpPr>
+        <p:spPr>
+          <a:xfrm>
+            <a:off x="3214035" y="4561696"/>
+            <a:ext cx="8822690" cy="1444113"/>
+          </a:xfrm>
+          <a:prstGeom prst="rect">
+            <a:avLst/>
+          </a:prstGeom>
+          <a:noFill/>
+          <a:ln w="9525">
+            <a:noFill/>
+          </a:ln>
+        </p:spPr>
+        <p:txBody>
+          <a:bodyPr wrap="square">
+            <a:spAutoFit/>
+          </a:bodyPr>
+          <a:lstStyle/>
+          <a:p>
+            <a:pPr marL="685800" indent="-342900" fontAlgn="auto">
+              <a:lnSpc>
+                <a:spcPct val="150000"/>
+              </a:lnSpc>
+              <a:buFont typeface="Wingdings" panose="05000000000000000000" charset="0"/>
+              <a:buChar char=""/>
+            </a:pPr>
+            <a:r>
+              <a:rPr lang="en-US" altLang="zh-CN" sz="1200" dirty="0" smtClean="0">
+                <a:latin typeface="Times New Roman" pitchFamily="18" charset="0"/>
+                <a:cs typeface="Times New Roman" pitchFamily="18" charset="0"/>
+              </a:rPr>
+              <a:t>[1] Li, J., </a:t>
+            </a:r>
+            <a:r>
+              <a:rPr lang="en-US" altLang="zh-CN" sz="1200" dirty="0" err="1" smtClean="0">
+                <a:latin typeface="Times New Roman" pitchFamily="18" charset="0"/>
+                <a:cs typeface="Times New Roman" pitchFamily="18" charset="0"/>
+              </a:rPr>
+              <a:t>Bonkowski</a:t>
+            </a:r>
+            <a:r>
+              <a:rPr lang="en-US" altLang="zh-CN" sz="1200" dirty="0" smtClean="0">
+                <a:latin typeface="Times New Roman" pitchFamily="18" charset="0"/>
+                <a:cs typeface="Times New Roman" pitchFamily="18" charset="0"/>
+              </a:rPr>
+              <a:t>, M. S., </a:t>
+            </a:r>
+            <a:r>
+              <a:rPr lang="en-US" altLang="zh-CN" sz="1200" dirty="0" err="1" smtClean="0">
+                <a:latin typeface="Times New Roman" pitchFamily="18" charset="0"/>
+                <a:cs typeface="Times New Roman" pitchFamily="18" charset="0"/>
+              </a:rPr>
+              <a:t>Moniot</a:t>
+            </a:r>
+            <a:r>
+              <a:rPr lang="en-US" altLang="zh-CN" sz="1200" dirty="0" smtClean="0">
+                <a:latin typeface="Times New Roman" pitchFamily="18" charset="0"/>
+                <a:cs typeface="Times New Roman" pitchFamily="18" charset="0"/>
+              </a:rPr>
+              <a:t>, S., Zhang, D., Hubbard, B. P., Ling, A. J., … &amp; </a:t>
+            </a:r>
+            <a:r>
+              <a:rPr lang="en-US" altLang="zh-CN" sz="1200" dirty="0" err="1" smtClean="0">
+                <a:latin typeface="Times New Roman" pitchFamily="18" charset="0"/>
+                <a:cs typeface="Times New Roman" pitchFamily="18" charset="0"/>
+              </a:rPr>
+              <a:t>Aravind</a:t>
+            </a:r>
+            <a:r>
+              <a:rPr lang="en-US" altLang="zh-CN" sz="1200" dirty="0" smtClean="0">
+                <a:latin typeface="Times New Roman" pitchFamily="18" charset="0"/>
+                <a:cs typeface="Times New Roman" pitchFamily="18" charset="0"/>
+              </a:rPr>
+              <a:t>, L. (2017). A conserved NAD+ binding pocket that regulates protein-protein interactions during aging. Science, 355(6331), 1312-1317</a:t>
+            </a:r>
+            <a:r>
+              <a:rPr lang="en-US" altLang="zh-CN" sz="1200" dirty="0" smtClean="0">
+                <a:latin typeface="Times New Roman" pitchFamily="18" charset="0"/>
+                <a:cs typeface="Times New Roman" pitchFamily="18" charset="0"/>
+              </a:rPr>
+              <a:t>.</a:t>
+            </a:r>
+          </a:p>
+          <a:p>
+            <a:pPr marL="685800" indent="-342900" fontAlgn="auto">
+              <a:lnSpc>
+                <a:spcPct val="150000"/>
+              </a:lnSpc>
+              <a:buFont typeface="Wingdings" panose="05000000000000000000" charset="0"/>
+              <a:buChar char=""/>
+            </a:pPr>
+            <a:r>
+              <a:rPr lang="en-US" altLang="zh-CN" sz="1200" dirty="0" smtClean="0">
+                <a:latin typeface="Times New Roman" pitchFamily="18" charset="0"/>
+                <a:cs typeface="Times New Roman" pitchFamily="18" charset="0"/>
+              </a:rPr>
+              <a:t>[</a:t>
+            </a:r>
+            <a:r>
+              <a:rPr lang="en-US" altLang="zh-CN" sz="1200" dirty="0" smtClean="0">
+                <a:latin typeface="Times New Roman" pitchFamily="18" charset="0"/>
+                <a:cs typeface="Times New Roman" pitchFamily="18" charset="0"/>
+              </a:rPr>
+              <a:t>2] </a:t>
+            </a:r>
+            <a:r>
+              <a:rPr lang="en-US" altLang="zh-CN" sz="1200" dirty="0" err="1" smtClean="0">
+                <a:latin typeface="Times New Roman" pitchFamily="18" charset="0"/>
+                <a:cs typeface="Times New Roman" pitchFamily="18" charset="0"/>
+              </a:rPr>
+              <a:t>Irie</a:t>
+            </a:r>
+            <a:r>
+              <a:rPr lang="en-US" altLang="zh-CN" sz="1200" dirty="0" smtClean="0">
+                <a:latin typeface="Times New Roman" pitchFamily="18" charset="0"/>
+                <a:cs typeface="Times New Roman" pitchFamily="18" charset="0"/>
+              </a:rPr>
+              <a:t>, J., Inagaki, E., Fujita, M., </a:t>
+            </a:r>
+            <a:r>
+              <a:rPr lang="en-US" altLang="zh-CN" sz="1200" dirty="0" err="1" smtClean="0">
+                <a:latin typeface="Times New Roman" pitchFamily="18" charset="0"/>
+                <a:cs typeface="Times New Roman" pitchFamily="18" charset="0"/>
+              </a:rPr>
+              <a:t>Nakaya</a:t>
+            </a:r>
+            <a:r>
+              <a:rPr lang="en-US" altLang="zh-CN" sz="1200" dirty="0" smtClean="0">
+                <a:latin typeface="Times New Roman" pitchFamily="18" charset="0"/>
+                <a:cs typeface="Times New Roman" pitchFamily="18" charset="0"/>
+              </a:rPr>
+              <a:t>, H., </a:t>
+            </a:r>
+            <a:r>
+              <a:rPr lang="en-US" altLang="zh-CN" sz="1200" dirty="0" err="1" smtClean="0">
+                <a:latin typeface="Times New Roman" pitchFamily="18" charset="0"/>
+                <a:cs typeface="Times New Roman" pitchFamily="18" charset="0"/>
+              </a:rPr>
+              <a:t>Mitsuishi</a:t>
+            </a:r>
+            <a:r>
+              <a:rPr lang="en-US" altLang="zh-CN" sz="1200" dirty="0" smtClean="0">
+                <a:latin typeface="Times New Roman" pitchFamily="18" charset="0"/>
+                <a:cs typeface="Times New Roman" pitchFamily="18" charset="0"/>
+              </a:rPr>
+              <a:t>, M., Yamaguchi, S., … &amp; Okano, H. (2019). Effect of oral administration of </a:t>
+            </a:r>
+            <a:r>
+              <a:rPr lang="en-US" altLang="zh-CN" sz="1200" dirty="0" err="1" smtClean="0">
+                <a:latin typeface="Times New Roman" pitchFamily="18" charset="0"/>
+                <a:cs typeface="Times New Roman" pitchFamily="18" charset="0"/>
+              </a:rPr>
+              <a:t>nicotinamide</a:t>
+            </a:r>
+            <a:r>
+              <a:rPr lang="en-US" altLang="zh-CN" sz="1200" dirty="0" smtClean="0">
+                <a:latin typeface="Times New Roman" pitchFamily="18" charset="0"/>
+                <a:cs typeface="Times New Roman" pitchFamily="18" charset="0"/>
+              </a:rPr>
+              <a:t> mononucleotide on clinical parameters and </a:t>
+            </a:r>
+            <a:r>
+              <a:rPr lang="en-US" altLang="zh-CN" sz="1200" dirty="0" err="1" smtClean="0">
+                <a:latin typeface="Times New Roman" pitchFamily="18" charset="0"/>
+                <a:cs typeface="Times New Roman" pitchFamily="18" charset="0"/>
+              </a:rPr>
+              <a:t>nicotinamide</a:t>
+            </a:r>
+            <a:r>
+              <a:rPr lang="en-US" altLang="zh-CN" sz="1200" dirty="0" smtClean="0">
+                <a:latin typeface="Times New Roman" pitchFamily="18" charset="0"/>
+                <a:cs typeface="Times New Roman" pitchFamily="18" charset="0"/>
+              </a:rPr>
+              <a:t> metabolite levels in healthy Japanese men. Endocrine journal, EJ19-0313.</a:t>
+            </a:r>
+            <a:endParaRPr lang="zh-CN" altLang="en-US" sz="1200" b="0" dirty="0">
+              <a:latin typeface="Times New Roman" pitchFamily="18" charset="0"/>
+              <a:cs typeface="Times New Roman" pitchFamily="18" charset="0"/>
+            </a:endParaRPr>
+          </a:p>
+        </p:txBody>
+      </p:sp>
+    </p:spTree>
+  </p:cSld>
+  <p:clrMapOvr>
+    <a:masterClrMapping/>
+  </p:clrMapOvr>
+  <p:timing>
+    <p:tnLst>
+      <p:par>
+        <p:cTn id="1" dur="indefinite" restart="never" nodeType="tmRoot"/>
+      </p:par>
+    </p:tnLst>
+  </p:timing>
+</p:sld>
+</file>
+
+<file path=ppt/slides/slide24.xml><?xml version="1.0" encoding="utf-8"?>
+<p:sld xmlns:a="http://schemas.openxmlformats.org/drawingml/2006/main" xmlns:r="http://schemas.openxmlformats.org/officeDocument/2006/relationships" xmlns:p="http://schemas.openxmlformats.org/presentationml/2006/main">
+  <p:cSld>
+    <p:spTree>
+      <p:nvGrpSpPr>
+        <p:cNvPr id="1" name=""/>
+        <p:cNvGrpSpPr/>
+        <p:nvPr/>
+      </p:nvGrpSpPr>
+      <p:grpSpPr>
+        <a:xfrm>
+          <a:off x="0" y="0"/>
+          <a:ext cx="0" cy="0"/>
+          <a:chOff x="0" y="0"/>
+          <a:chExt cx="0" cy="0"/>
+        </a:xfrm>
+      </p:grpSpPr>
+      <p:grpSp>
+        <p:nvGrpSpPr>
+          <p:cNvPr id="2" name="组合 6"/>
+          <p:cNvGrpSpPr/>
+          <p:nvPr/>
+        </p:nvGrpSpPr>
+        <p:grpSpPr>
+          <a:xfrm>
+            <a:off x="2543809" y="608430"/>
+            <a:ext cx="1279618" cy="1481182"/>
+            <a:chOff x="2543174" y="564615"/>
+            <a:chExt cx="1279618" cy="1481182"/>
+          </a:xfrm>
+        </p:grpSpPr>
+        <p:sp>
+          <p:nvSpPr>
+            <p:cNvPr id="12" name="矩形 11"/>
+            <p:cNvSpPr/>
+            <p:nvPr/>
+          </p:nvSpPr>
+          <p:spPr>
+            <a:xfrm rot="2705224">
+              <a:off x="2543174" y="781051"/>
+              <a:ext cx="1047750" cy="1047750"/>
+            </a:xfrm>
+            <a:prstGeom prst="rect">
+              <a:avLst/>
+            </a:prstGeom>
+            <a:solidFill>
+              <a:schemeClr val="bg1"/>
+            </a:solidFill>
+            <a:ln>
+              <a:noFill/>
+            </a:ln>
+          </p:spPr>
+          <p:style>
+            <a:lnRef idx="2">
+              <a:schemeClr val="accent1">
+                <a:shade val="50000"/>
+              </a:schemeClr>
+            </a:lnRef>
+            <a:fillRef idx="1">
+              <a:schemeClr val="accent1"/>
+            </a:fillRef>
+            <a:effectRef idx="0">
+              <a:schemeClr val="accent1"/>
+            </a:effectRef>
+            <a:fontRef idx="minor">
+              <a:schemeClr val="lt1"/>
+            </a:fontRef>
+          </p:style>
+          <p:txBody>
+            <a:bodyPr rtlCol="0" anchor="ctr"/>
+            <a:lstStyle/>
+            <a:p>
+              <a:pPr algn="ctr"/>
+              <a:endParaRPr lang="zh-CN" altLang="en-US"/>
+            </a:p>
+          </p:txBody>
+        </p:sp>
+        <p:cxnSp>
+          <p:nvCxnSpPr>
+            <p:cNvPr id="14" name="直接连接符 13"/>
+            <p:cNvCxnSpPr/>
+            <p:nvPr/>
+          </p:nvCxnSpPr>
+          <p:spPr>
+            <a:xfrm>
+              <a:off x="3067050" y="564615"/>
+              <a:ext cx="740311" cy="740311"/>
+            </a:xfrm>
+            <a:prstGeom prst="line">
+              <a:avLst/>
+            </a:prstGeom>
+            <a:ln w="38100">
+              <a:solidFill>
+                <a:schemeClr val="tx2">
+                  <a:lumMod val="75000"/>
+                </a:schemeClr>
+              </a:solidFill>
+            </a:ln>
+          </p:spPr>
+          <p:style>
+            <a:lnRef idx="1">
+              <a:schemeClr val="accent1"/>
+            </a:lnRef>
+            <a:fillRef idx="0">
+              <a:schemeClr val="accent1"/>
+            </a:fillRef>
+            <a:effectRef idx="0">
+              <a:schemeClr val="accent1"/>
+            </a:effectRef>
+            <a:fontRef idx="minor">
+              <a:schemeClr val="tx1"/>
+            </a:fontRef>
+          </p:style>
+        </p:cxnSp>
+        <p:cxnSp>
+          <p:nvCxnSpPr>
+            <p:cNvPr id="15" name="直接连接符 14"/>
+            <p:cNvCxnSpPr/>
+            <p:nvPr/>
+          </p:nvCxnSpPr>
+          <p:spPr>
+            <a:xfrm flipH="1">
+              <a:off x="3066492" y="1290638"/>
+              <a:ext cx="756300" cy="755159"/>
+            </a:xfrm>
+            <a:prstGeom prst="line">
+              <a:avLst/>
+            </a:prstGeom>
+            <a:ln w="38100">
+              <a:solidFill>
+                <a:schemeClr val="tx2">
+                  <a:lumMod val="75000"/>
+                </a:schemeClr>
+              </a:solidFill>
+            </a:ln>
+          </p:spPr>
+          <p:style>
+            <a:lnRef idx="1">
+              <a:schemeClr val="accent1"/>
+            </a:lnRef>
+            <a:fillRef idx="0">
+              <a:schemeClr val="accent1"/>
+            </a:fillRef>
+            <a:effectRef idx="0">
+              <a:schemeClr val="accent1"/>
+            </a:effectRef>
+            <a:fontRef idx="minor">
+              <a:schemeClr val="tx1"/>
+            </a:fontRef>
+          </p:style>
+        </p:cxnSp>
+      </p:grpSp>
+      <p:sp>
+        <p:nvSpPr>
+          <p:cNvPr id="26" name="文本框 25"/>
+          <p:cNvSpPr txBox="1"/>
+          <p:nvPr/>
+        </p:nvSpPr>
+        <p:spPr>
+          <a:xfrm>
+            <a:off x="2725505" y="683756"/>
+            <a:ext cx="684446" cy="1198880"/>
+          </a:xfrm>
+          <a:prstGeom prst="rect">
+            <a:avLst/>
+          </a:prstGeom>
+          <a:noFill/>
+        </p:spPr>
+        <p:txBody>
+          <a:bodyPr wrap="square" rtlCol="0">
+            <a:spAutoFit/>
+          </a:bodyPr>
+          <a:lstStyle/>
+          <a:p>
+            <a:r>
+              <a:rPr lang="en-US" altLang="zh-CN" sz="7200" b="1" dirty="0"/>
+              <a:t>9</a:t>
+            </a:r>
+            <a:endParaRPr lang="en-US" altLang="zh-CN" sz="7200" b="1" dirty="0"/>
+          </a:p>
+        </p:txBody>
+      </p:sp>
+      <p:sp>
+        <p:nvSpPr>
+          <p:cNvPr id="38" name="文本框 37"/>
+          <p:cNvSpPr txBox="1"/>
+          <p:nvPr/>
+        </p:nvSpPr>
+        <p:spPr>
+          <a:xfrm>
+            <a:off x="3808008" y="407026"/>
+            <a:ext cx="3736435" cy="583565"/>
+          </a:xfrm>
+          <a:prstGeom prst="rect">
+            <a:avLst/>
+          </a:prstGeom>
+          <a:noFill/>
+        </p:spPr>
+        <p:txBody>
+          <a:bodyPr wrap="square" rtlCol="0">
+            <a:spAutoFit/>
+          </a:bodyPr>
+          <a:lstStyle/>
+          <a:p>
+            <a:r>
+              <a:rPr lang="zh-CN" altLang="en-US" sz="3200" dirty="0" smtClean="0">
+                <a:latin typeface="微软雅黑" panose="020B0503020204020204" pitchFamily="34" charset="-122"/>
+                <a:ea typeface="微软雅黑" panose="020B0503020204020204" pitchFamily="34" charset="-122"/>
+              </a:rPr>
+              <a:t>团队介绍</a:t>
+            </a:r>
+            <a:endParaRPr lang="zh-CN" altLang="en-US" sz="3200" dirty="0" smtClean="0">
+              <a:latin typeface="微软雅黑" panose="020B0503020204020204" pitchFamily="34" charset="-122"/>
+              <a:ea typeface="微软雅黑" panose="020B0503020204020204" pitchFamily="34" charset="-122"/>
+            </a:endParaRPr>
+          </a:p>
+        </p:txBody>
+      </p:sp>
+      <p:sp>
+        <p:nvSpPr>
+          <p:cNvPr id="9" name="文本框 3"/>
+          <p:cNvSpPr txBox="1"/>
+          <p:nvPr/>
+        </p:nvSpPr>
+        <p:spPr>
+          <a:xfrm>
+            <a:off x="3670707" y="1481419"/>
+            <a:ext cx="1499128" cy="400110"/>
+          </a:xfrm>
+          <a:prstGeom prst="rect">
+            <a:avLst/>
+          </a:prstGeom>
+          <a:noFill/>
+        </p:spPr>
+        <p:txBody>
+          <a:bodyPr wrap="none" rtlCol="0" anchor="t">
+            <a:spAutoFit/>
+          </a:bodyPr>
+          <a:lstStyle/>
+          <a:p>
+            <a:pPr marL="285750" indent="-285750" algn="l">
+              <a:buFont typeface="Wingdings" panose="05000000000000000000" charset="0"/>
+              <a:buChar char=""/>
+            </a:pPr>
+            <a:r>
+              <a:rPr lang="zh-CN" altLang="en-US" sz="2000" dirty="0" smtClean="0">
+                <a:latin typeface="Times New Roman" pitchFamily="18" charset="0"/>
+                <a:cs typeface="Times New Roman" pitchFamily="18" charset="0"/>
+                <a:sym typeface="+mn-ea"/>
+              </a:rPr>
+              <a:t>核心成员</a:t>
+            </a:r>
+            <a:endParaRPr lang="zh-CN" altLang="en-US" sz="2000" dirty="0">
+              <a:latin typeface="Times New Roman" pitchFamily="18" charset="0"/>
+              <a:cs typeface="Times New Roman" pitchFamily="18" charset="0"/>
+              <a:sym typeface="+mn-ea"/>
+            </a:endParaRPr>
+          </a:p>
+        </p:txBody>
+      </p:sp>
+      <p:graphicFrame>
+        <p:nvGraphicFramePr>
+          <p:cNvPr id="10" name="图示 9"/>
+          <p:cNvGraphicFramePr/>
+          <p:nvPr/>
+        </p:nvGraphicFramePr>
+        <p:xfrm>
+          <a:off x="3870442" y="2139350"/>
+          <a:ext cx="7757965" cy="4347714"/>
+        </p:xfrm>
+        <a:graphic>
+          <a:graphicData uri="http://schemas.openxmlformats.org/drawingml/2006/diagram">
+            <dgm:relIds xmlns:dgm="http://schemas.openxmlformats.org/drawingml/2006/diagram" xmlns:r="http://schemas.openxmlformats.org/officeDocument/2006/relationships" r:dm="rId2" r:lo="rId3" r:qs="rId4" r:cs="rId5"/>
+          </a:graphicData>
+        </a:graphic>
+      </p:graphicFrame>
+    </p:spTree>
+  </p:cSld>
+  <p:clrMapOvr>
+    <a:masterClrMapping/>
+  </p:clrMapOvr>
+  <p:timing>
+    <p:tnLst>
+      <p:par>
+        <p:cTn id="1" dur="indefinite" restart="never" nodeType="tmRoot"/>
+      </p:par>
+    </p:tnLst>
+  </p:timing>
+</p:sld>
+</file>
+
 <file path=ppt/slides/slide3.xml><?xml version="1.0" encoding="utf-8"?>
 <p:sld xmlns:a="http://schemas.openxmlformats.org/drawingml/2006/main" xmlns:r="http://schemas.openxmlformats.org/officeDocument/2006/relationships" xmlns:p="http://schemas.openxmlformats.org/presentationml/2006/main">
   <p:cSld>
@@ -11611,8 +14965,8 @@
               <a:buChar char=""/>
               <a:extLst>
                 <a:ext uri="{35155182-B16C-46BC-9424-99874614C6A1}">
-                  <wpsdc:indentchars xmlns="" xmlns:wpsdc="http://www.wps.cn/officeDocument/2017/drawingmlCustomData" val="-95" checksum="1089722149"/>
-                  <wpsdc:marlchars xmlns="" xmlns:wpsdc="http://www.wps.cn/officeDocument/2017/drawingmlCustomData" val="95" checksum="3534689470"/>
+                  <wpsdc:indentchars xmlns:wpsdc="http://www.wps.cn/officeDocument/2017/drawingmlCustomData" xmlns="" val="-95" checksum="1089722149"/>
+                  <wpsdc:marlchars xmlns:wpsdc="http://www.wps.cn/officeDocument/2017/drawingmlCustomData" xmlns="" val="95" checksum="3534689470"/>
                 </a:ext>
               </a:extLst>
             </a:pPr>
@@ -11653,8 +15007,8 @@
               <a:buChar char=""/>
               <a:extLst>
                 <a:ext uri="{35155182-B16C-46BC-9424-99874614C6A1}">
-                  <wpsdc:indentchars xmlns="" xmlns:wpsdc="http://www.wps.cn/officeDocument/2017/drawingmlCustomData" val="-95" checksum="1089722149"/>
-                  <wpsdc:marlchars xmlns="" xmlns:wpsdc="http://www.wps.cn/officeDocument/2017/drawingmlCustomData" val="95" checksum="3534689470"/>
+                  <wpsdc:indentchars xmlns:wpsdc="http://www.wps.cn/officeDocument/2017/drawingmlCustomData" xmlns="" val="-95" checksum="1089722149"/>
+                  <wpsdc:marlchars xmlns:wpsdc="http://www.wps.cn/officeDocument/2017/drawingmlCustomData" xmlns="" val="95" checksum="3534689470"/>
                 </a:ext>
               </a:extLst>
             </a:pPr>
@@ -11687,8 +15041,8 @@
               <a:buChar char=""/>
               <a:extLst>
                 <a:ext uri="{35155182-B16C-46BC-9424-99874614C6A1}">
-                  <wpsdc:indentchars xmlns="" xmlns:wpsdc="http://www.wps.cn/officeDocument/2017/drawingmlCustomData" val="-95" checksum="1089722149"/>
-                  <wpsdc:marlchars xmlns="" xmlns:wpsdc="http://www.wps.cn/officeDocument/2017/drawingmlCustomData" val="95" checksum="3534689470"/>
+                  <wpsdc:indentchars xmlns:wpsdc="http://www.wps.cn/officeDocument/2017/drawingmlCustomData" xmlns="" val="-95" checksum="1089722149"/>
+                  <wpsdc:marlchars xmlns:wpsdc="http://www.wps.cn/officeDocument/2017/drawingmlCustomData" xmlns="" val="95" checksum="3534689470"/>
                 </a:ext>
               </a:extLst>
             </a:pPr>
@@ -11707,8 +15061,8 @@
               <a:buChar char=""/>
               <a:extLst>
                 <a:ext uri="{35155182-B16C-46BC-9424-99874614C6A1}">
-                  <wpsdc:indentchars xmlns="" xmlns:wpsdc="http://www.wps.cn/officeDocument/2017/drawingmlCustomData" val="-95" checksum="1089722149"/>
-                  <wpsdc:marlchars xmlns="" xmlns:wpsdc="http://www.wps.cn/officeDocument/2017/drawingmlCustomData" val="95" checksum="3534689470"/>
+                  <wpsdc:indentchars xmlns:wpsdc="http://www.wps.cn/officeDocument/2017/drawingmlCustomData" xmlns="" val="-95" checksum="1089722149"/>
+                  <wpsdc:marlchars xmlns:wpsdc="http://www.wps.cn/officeDocument/2017/drawingmlCustomData" xmlns="" val="95" checksum="3534689470"/>
                 </a:ext>
               </a:extLst>
             </a:pPr>
@@ -11727,8 +15081,8 @@
               <a:buChar char=""/>
               <a:extLst>
                 <a:ext uri="{35155182-B16C-46BC-9424-99874614C6A1}">
-                  <wpsdc:indentchars xmlns="" xmlns:wpsdc="http://www.wps.cn/officeDocument/2017/drawingmlCustomData" val="-95" checksum="1089722149"/>
-                  <wpsdc:marlchars xmlns="" xmlns:wpsdc="http://www.wps.cn/officeDocument/2017/drawingmlCustomData" val="95" checksum="3534689470"/>
+                  <wpsdc:indentchars xmlns:wpsdc="http://www.wps.cn/officeDocument/2017/drawingmlCustomData" xmlns="" val="-95" checksum="1089722149"/>
+                  <wpsdc:marlchars xmlns:wpsdc="http://www.wps.cn/officeDocument/2017/drawingmlCustomData" xmlns="" val="95" checksum="3534689470"/>
                 </a:ext>
               </a:extLst>
             </a:pPr>
@@ -11747,8 +15101,8 @@
               <a:buChar char=""/>
               <a:extLst>
                 <a:ext uri="{35155182-B16C-46BC-9424-99874614C6A1}">
-                  <wpsdc:indentchars xmlns="" xmlns:wpsdc="http://www.wps.cn/officeDocument/2017/drawingmlCustomData" val="-95" checksum="1089722149"/>
-                  <wpsdc:marlchars xmlns="" xmlns:wpsdc="http://www.wps.cn/officeDocument/2017/drawingmlCustomData" val="95" checksum="3534689470"/>
+                  <wpsdc:indentchars xmlns:wpsdc="http://www.wps.cn/officeDocument/2017/drawingmlCustomData" xmlns="" val="-95" checksum="1089722149"/>
+                  <wpsdc:marlchars xmlns:wpsdc="http://www.wps.cn/officeDocument/2017/drawingmlCustomData" xmlns="" val="95" checksum="3534689470"/>
                 </a:ext>
               </a:extLst>
             </a:pPr>
@@ -11767,8 +15121,8 @@
               <a:buChar char=""/>
               <a:extLst>
                 <a:ext uri="{35155182-B16C-46BC-9424-99874614C6A1}">
-                  <wpsdc:indentchars xmlns="" xmlns:wpsdc="http://www.wps.cn/officeDocument/2017/drawingmlCustomData" val="-95" checksum="1089722149"/>
-                  <wpsdc:marlchars xmlns="" xmlns:wpsdc="http://www.wps.cn/officeDocument/2017/drawingmlCustomData" val="95" checksum="3534689470"/>
+                  <wpsdc:indentchars xmlns:wpsdc="http://www.wps.cn/officeDocument/2017/drawingmlCustomData" xmlns="" val="-95" checksum="1089722149"/>
+                  <wpsdc:marlchars xmlns:wpsdc="http://www.wps.cn/officeDocument/2017/drawingmlCustomData" xmlns="" val="95" checksum="3534689470"/>
                 </a:ext>
               </a:extLst>
             </a:pPr>
@@ -11787,8 +15141,8 @@
               <a:buChar char=""/>
               <a:extLst>
                 <a:ext uri="{35155182-B16C-46BC-9424-99874614C6A1}">
-                  <wpsdc:indentchars xmlns="" xmlns:wpsdc="http://www.wps.cn/officeDocument/2017/drawingmlCustomData" val="-95" checksum="1089722149"/>
-                  <wpsdc:marlchars xmlns="" xmlns:wpsdc="http://www.wps.cn/officeDocument/2017/drawingmlCustomData" val="95" checksum="3534689470"/>
+                  <wpsdc:indentchars xmlns:wpsdc="http://www.wps.cn/officeDocument/2017/drawingmlCustomData" xmlns="" val="-95" checksum="1089722149"/>
+                  <wpsdc:marlchars xmlns:wpsdc="http://www.wps.cn/officeDocument/2017/drawingmlCustomData" xmlns="" val="95" checksum="3534689470"/>
                 </a:ext>
               </a:extLst>
             </a:pPr>
@@ -12275,8 +15629,8 @@
               <a:buChar char=""/>
               <a:extLst>
                 <a:ext uri="{35155182-B16C-46BC-9424-99874614C6A1}">
-                  <wpsdc:indentchars xmlns="" xmlns:wpsdc="http://www.wps.cn/officeDocument/2017/drawingmlCustomData" val="-95" checksum="1089722149"/>
-                  <wpsdc:marlchars xmlns="" xmlns:wpsdc="http://www.wps.cn/officeDocument/2017/drawingmlCustomData" val="95" checksum="3534689470"/>
+                  <wpsdc:indentchars xmlns:wpsdc="http://www.wps.cn/officeDocument/2017/drawingmlCustomData" xmlns="" val="-95" checksum="1089722149"/>
+                  <wpsdc:marlchars xmlns:wpsdc="http://www.wps.cn/officeDocument/2017/drawingmlCustomData" xmlns="" val="95" checksum="3534689470"/>
                 </a:ext>
               </a:extLst>
             </a:pPr>
@@ -12335,8 +15689,8 @@
               <a:buChar char=""/>
               <a:extLst>
                 <a:ext uri="{35155182-B16C-46BC-9424-99874614C6A1}">
-                  <wpsdc:indentchars xmlns="" xmlns:wpsdc="http://www.wps.cn/officeDocument/2017/drawingmlCustomData" val="-95" checksum="1089722149"/>
-                  <wpsdc:marlchars xmlns="" xmlns:wpsdc="http://www.wps.cn/officeDocument/2017/drawingmlCustomData" val="95" checksum="3534689470"/>
+                  <wpsdc:indentchars xmlns:wpsdc="http://www.wps.cn/officeDocument/2017/drawingmlCustomData" xmlns="" val="-95" checksum="1089722149"/>
+                  <wpsdc:marlchars xmlns:wpsdc="http://www.wps.cn/officeDocument/2017/drawingmlCustomData" xmlns="" val="95" checksum="3534689470"/>
                 </a:ext>
               </a:extLst>
             </a:pPr>
@@ -13704,14 +17058,7 @@
                 <a:latin typeface="微软雅黑" panose="020B0503020204020204" pitchFamily="34" charset="-122"/>
                 <a:ea typeface="微软雅黑" panose="020B0503020204020204" pitchFamily="34" charset="-122"/>
               </a:rPr>
-              <a:t>市场</a:t>
-            </a:r>
-            <a:r>
-              <a:rPr lang="zh-CN" altLang="en-US" sz="3200" dirty="0" smtClean="0">
-                <a:latin typeface="微软雅黑" panose="020B0503020204020204" pitchFamily="34" charset="-122"/>
-                <a:ea typeface="微软雅黑" panose="020B0503020204020204" pitchFamily="34" charset="-122"/>
-              </a:rPr>
-              <a:t>介绍</a:t>
+              <a:t>市场介绍</a:t>
             </a:r>
           </a:p>
         </p:txBody>
@@ -13749,8 +17096,8 @@
               <a:buChar char=""/>
               <a:extLst>
                 <a:ext uri="{35155182-B16C-46BC-9424-99874614C6A1}">
-                  <wpsdc:indentchars xmlns="" xmlns:wpsdc="http://www.wps.cn/officeDocument/2017/drawingmlCustomData" val="-95" checksum="1089722149"/>
-                  <wpsdc:marlchars xmlns="" xmlns:wpsdc="http://www.wps.cn/officeDocument/2017/drawingmlCustomData" val="95" checksum="3534689470"/>
+                  <wpsdc:indentchars xmlns:wpsdc="http://www.wps.cn/officeDocument/2017/drawingmlCustomData" xmlns="" val="-95" checksum="1089722149"/>
+                  <wpsdc:marlchars xmlns:wpsdc="http://www.wps.cn/officeDocument/2017/drawingmlCustomData" xmlns="" val="95" checksum="3534689470"/>
                 </a:ext>
               </a:extLst>
             </a:pPr>
@@ -13836,8 +17183,8 @@
               <a:buChar char=""/>
               <a:extLst>
                 <a:ext uri="{35155182-B16C-46BC-9424-99874614C6A1}">
-                  <wpsdc:indentchars xmlns="" xmlns:wpsdc="http://www.wps.cn/officeDocument/2017/drawingmlCustomData" val="-95" checksum="1089722149"/>
-                  <wpsdc:marlchars xmlns="" xmlns:wpsdc="http://www.wps.cn/officeDocument/2017/drawingmlCustomData" val="95" checksum="3534689470"/>
+                  <wpsdc:indentchars xmlns:wpsdc="http://www.wps.cn/officeDocument/2017/drawingmlCustomData" xmlns="" val="-95" checksum="1089722149"/>
+                  <wpsdc:marlchars xmlns:wpsdc="http://www.wps.cn/officeDocument/2017/drawingmlCustomData" xmlns="" val="95" checksum="3534689470"/>
                 </a:ext>
               </a:extLst>
             </a:pPr>
@@ -13944,8 +17291,8 @@
               <a:buChar char=""/>
               <a:extLst>
                 <a:ext uri="{35155182-B16C-46BC-9424-99874614C6A1}">
-                  <wpsdc:indentchars xmlns="" xmlns:wpsdc="http://www.wps.cn/officeDocument/2017/drawingmlCustomData" val="-95" checksum="1089722149"/>
-                  <wpsdc:marlchars xmlns="" xmlns:wpsdc="http://www.wps.cn/officeDocument/2017/drawingmlCustomData" val="95" checksum="3534689470"/>
+                  <wpsdc:indentchars xmlns:wpsdc="http://www.wps.cn/officeDocument/2017/drawingmlCustomData" xmlns="" val="-95" checksum="1089722149"/>
+                  <wpsdc:marlchars xmlns:wpsdc="http://www.wps.cn/officeDocument/2017/drawingmlCustomData" xmlns="" val="95" checksum="3534689470"/>
                 </a:ext>
               </a:extLst>
             </a:pPr>
@@ -14106,8 +17453,8 @@
               <a:buChar char=""/>
               <a:extLst>
                 <a:ext uri="{35155182-B16C-46BC-9424-99874614C6A1}">
-                  <wpsdc:indentchars xmlns="" xmlns:wpsdc="http://www.wps.cn/officeDocument/2017/drawingmlCustomData" val="-95" checksum="1089722149"/>
-                  <wpsdc:marlchars xmlns="" xmlns:wpsdc="http://www.wps.cn/officeDocument/2017/drawingmlCustomData" val="95" checksum="3534689470"/>
+                  <wpsdc:indentchars xmlns:wpsdc="http://www.wps.cn/officeDocument/2017/drawingmlCustomData" xmlns="" val="-95" checksum="1089722149"/>
+                  <wpsdc:marlchars xmlns:wpsdc="http://www.wps.cn/officeDocument/2017/drawingmlCustomData" xmlns="" val="95" checksum="3534689470"/>
                 </a:ext>
               </a:extLst>
             </a:pPr>
@@ -14439,14 +17786,7 @@
                 <a:latin typeface="微软雅黑" panose="020B0503020204020204" pitchFamily="34" charset="-122"/>
                 <a:ea typeface="微软雅黑" panose="020B0503020204020204" pitchFamily="34" charset="-122"/>
               </a:rPr>
-              <a:t>市场</a:t>
-            </a:r>
-            <a:r>
-              <a:rPr lang="zh-CN" altLang="en-US" sz="3200" dirty="0" smtClean="0">
-                <a:latin typeface="微软雅黑" panose="020B0503020204020204" pitchFamily="34" charset="-122"/>
-                <a:ea typeface="微软雅黑" panose="020B0503020204020204" pitchFamily="34" charset="-122"/>
-              </a:rPr>
-              <a:t>介绍</a:t>
+              <a:t>市场介绍</a:t>
             </a:r>
           </a:p>
         </p:txBody>
@@ -14529,8 +17869,8 @@
               <a:buChar char=""/>
               <a:extLst>
                 <a:ext uri="{35155182-B16C-46BC-9424-99874614C6A1}">
-                  <wpsdc:indentchars xmlns="" xmlns:wpsdc="http://www.wps.cn/officeDocument/2017/drawingmlCustomData" val="-95" checksum="1089722149"/>
-                  <wpsdc:marlchars xmlns="" xmlns:wpsdc="http://www.wps.cn/officeDocument/2017/drawingmlCustomData" val="95" checksum="3534689470"/>
+                  <wpsdc:indentchars xmlns:wpsdc="http://www.wps.cn/officeDocument/2017/drawingmlCustomData" xmlns="" val="-95" checksum="1089722149"/>
+                  <wpsdc:marlchars xmlns:wpsdc="http://www.wps.cn/officeDocument/2017/drawingmlCustomData" xmlns="" val="95" checksum="3534689470"/>
                 </a:ext>
               </a:extLst>
             </a:pPr>
@@ -14704,8 +18044,8 @@
               <a:buChar char=""/>
               <a:extLst>
                 <a:ext uri="{35155182-B16C-46BC-9424-99874614C6A1}">
-                  <wpsdc:indentchars xmlns="" xmlns:wpsdc="http://www.wps.cn/officeDocument/2017/drawingmlCustomData" val="-95" checksum="1089722149"/>
-                  <wpsdc:marlchars xmlns="" xmlns:wpsdc="http://www.wps.cn/officeDocument/2017/drawingmlCustomData" val="95" checksum="3534689470"/>
+                  <wpsdc:indentchars xmlns:wpsdc="http://www.wps.cn/officeDocument/2017/drawingmlCustomData" xmlns="" val="-95" checksum="1089722149"/>
+                  <wpsdc:marlchars xmlns:wpsdc="http://www.wps.cn/officeDocument/2017/drawingmlCustomData" xmlns="" val="95" checksum="3534689470"/>
                 </a:ext>
               </a:extLst>
             </a:pPr>
@@ -14714,14 +18054,7 @@
                 <a:latin typeface="Times New Roman" pitchFamily="18" charset="0"/>
                 <a:cs typeface="Times New Roman" pitchFamily="18" charset="0"/>
               </a:rPr>
-              <a:t>中</a:t>
-            </a:r>
-            <a:r>
-              <a:rPr lang="zh-CN" altLang="en-US" sz="2000" dirty="0" smtClean="0">
-                <a:latin typeface="Times New Roman" pitchFamily="18" charset="0"/>
-                <a:cs typeface="Times New Roman" pitchFamily="18" charset="0"/>
-              </a:rPr>
-              <a:t>信证券预测，中国</a:t>
+              <a:t>中信证券预测，中国</a:t>
             </a:r>
             <a:r>
               <a:rPr lang="en-US" altLang="zh-CN" sz="2000" dirty="0" smtClean="0">
@@ -15044,14 +18377,7 @@
                 <a:latin typeface="微软雅黑" panose="020B0503020204020204" pitchFamily="34" charset="-122"/>
                 <a:ea typeface="微软雅黑" panose="020B0503020204020204" pitchFamily="34" charset="-122"/>
               </a:rPr>
-              <a:t>市场</a:t>
-            </a:r>
-            <a:r>
-              <a:rPr lang="zh-CN" altLang="en-US" sz="3200" dirty="0" smtClean="0">
-                <a:latin typeface="微软雅黑" panose="020B0503020204020204" pitchFamily="34" charset="-122"/>
-                <a:ea typeface="微软雅黑" panose="020B0503020204020204" pitchFamily="34" charset="-122"/>
-              </a:rPr>
-              <a:t>介绍</a:t>
+              <a:t>市场介绍</a:t>
             </a:r>
           </a:p>
         </p:txBody>
@@ -15459,7 +18785,7 @@
   <a:extraClrSchemeLst/>
   <a:extLst>
     <a:ext uri="{05A4C25C-085E-4340-85A3-A5531E510DB2}">
-      <thm15:themeFamily xmlns="" xmlns:thm15="http://schemas.microsoft.com/office/thememl/2012/main" name="Office Theme" id="{62F939B6-93AF-4DB8-9C6B-D6C7DFDC589F}" vid="{4A3C46E8-61CC-4603-A589-7422A47A8E4A}"/>
+      <thm15:themeFamily xmlns:thm15="http://schemas.microsoft.com/office/thememl/2012/main" xmlns="" name="Office Theme" id="{62F939B6-93AF-4DB8-9C6B-D6C7DFDC589F}" vid="{4A3C46E8-61CC-4603-A589-7422A47A8E4A}"/>
     </a:ext>
   </a:extLst>
 </a:theme>
@@ -15720,7 +19046,7 @@
   <a:extraClrSchemeLst/>
   <a:extLst>
     <a:ext uri="{05A4C25C-085E-4340-85A3-A5531E510DB2}">
-      <thm15:themeFamily xmlns="" xmlns:thm15="http://schemas.microsoft.com/office/thememl/2012/main" name="Office Theme" id="{62F939B6-93AF-4DB8-9C6B-D6C7DFDC589F}" vid="{4A3C46E8-61CC-4603-A589-7422A47A8E4A}"/>
+      <thm15:themeFamily xmlns:thm15="http://schemas.microsoft.com/office/thememl/2012/main" xmlns="" name="Office Theme" id="{62F939B6-93AF-4DB8-9C6B-D6C7DFDC589F}" vid="{4A3C46E8-61CC-4603-A589-7422A47A8E4A}"/>
     </a:ext>
   </a:extLst>
 </a:theme>
